--- a/Domestic_Violence_on_woman_Ketenie_Flore recent.pptx
+++ b/Domestic_Violence_on_woman_Ketenie_Flore recent.pptx
@@ -27,16 +27,17 @@
     <p:sldId id="272" r:id="rId22"/>
     <p:sldId id="273" r:id="rId23"/>
     <p:sldId id="274" r:id="rId24"/>
+    <p:sldId id="275" r:id="rId25"/>
   </p:sldIdLst>
   <p:sldSz cy="6858000" cx="12192000"/>
   <p:notesSz cx="12192000" cy="6858000"/>
   <p:embeddedFontLst>
     <p:embeddedFont>
       <p:font typeface="Roboto"/>
-      <p:regular r:id="rId25"/>
-      <p:bold r:id="rId26"/>
-      <p:italic r:id="rId27"/>
-      <p:boldItalic r:id="rId28"/>
+      <p:regular r:id="rId26"/>
+      <p:bold r:id="rId27"/>
+      <p:italic r:id="rId28"/>
+      <p:boldItalic r:id="rId29"/>
     </p:embeddedFont>
   </p:embeddedFontLst>
   <p:defaultTextStyle>
@@ -284,7 +285,7 @@
       </p15:sldGuideLst>
     </p:ext>
     <p:ext uri="http://customooxmlschemas.google.com/">
-      <go:slidesCustomData xmlns:go="http://customooxmlschemas.google.com/" r:id="rId29" roundtripDataSignature="AMtx7mj+nvxKUQbQzRpfA/d+NAaBkYlsdg=="/>
+      <go:slidesCustomData xmlns:go="http://customooxmlschemas.google.com/" r:id="rId30" roundtripDataSignature="AMtx7mhFes4vHw8exxXjRxrCqdJ4JKwCDw=="/>
     </p:ext>
   </p:extLst>
 </p:presentation>
@@ -820,7 +821,7 @@
   <p:cSld>
     <p:spTree>
       <p:nvGrpSpPr>
-        <p:cNvPr id="117" name="Shape 117"/>
+        <p:cNvPr id="116" name="Shape 116"/>
         <p:cNvGrpSpPr/>
         <p:nvPr/>
       </p:nvGrpSpPr>
@@ -834,7 +835,7 @@
       </p:grpSpPr>
       <p:sp>
         <p:nvSpPr>
-          <p:cNvPr id="118" name="Google Shape;118;p10:notes"/>
+          <p:cNvPr id="117" name="Google Shape;117;p9:notes"/>
           <p:cNvSpPr txBox="1"/>
           <p:nvPr>
             <p:ph idx="1" type="body"/>
@@ -873,7 +874,7 @@
       </p:sp>
       <p:sp>
         <p:nvSpPr>
-          <p:cNvPr id="119" name="Google Shape;119;p10:notes"/>
+          <p:cNvPr id="118" name="Google Shape;118;p9:notes"/>
           <p:cNvSpPr/>
           <p:nvPr>
             <p:ph idx="2" type="sldImg"/>
@@ -919,7 +920,7 @@
   <p:cSld>
     <p:spTree>
       <p:nvGrpSpPr>
-        <p:cNvPr id="124" name="Shape 124"/>
+        <p:cNvPr id="123" name="Shape 123"/>
         <p:cNvGrpSpPr/>
         <p:nvPr/>
       </p:nvGrpSpPr>
@@ -933,7 +934,7 @@
       </p:grpSpPr>
       <p:sp>
         <p:nvSpPr>
-          <p:cNvPr id="125" name="Google Shape;125;p11:notes"/>
+          <p:cNvPr id="124" name="Google Shape;124;p10:notes"/>
           <p:cNvSpPr txBox="1"/>
           <p:nvPr>
             <p:ph idx="1" type="body"/>
@@ -972,7 +973,7 @@
       </p:sp>
       <p:sp>
         <p:nvSpPr>
-          <p:cNvPr id="126" name="Google Shape;126;p11:notes"/>
+          <p:cNvPr id="125" name="Google Shape;125;p10:notes"/>
           <p:cNvSpPr/>
           <p:nvPr>
             <p:ph idx="2" type="sldImg"/>
@@ -1018,7 +1019,7 @@
   <p:cSld>
     <p:spTree>
       <p:nvGrpSpPr>
-        <p:cNvPr id="133" name="Shape 133"/>
+        <p:cNvPr id="130" name="Shape 130"/>
         <p:cNvGrpSpPr/>
         <p:nvPr/>
       </p:nvGrpSpPr>
@@ -1032,7 +1033,7 @@
       </p:grpSpPr>
       <p:sp>
         <p:nvSpPr>
-          <p:cNvPr id="134" name="Google Shape;134;p12:notes"/>
+          <p:cNvPr id="131" name="Google Shape;131;p11:notes"/>
           <p:cNvSpPr txBox="1"/>
           <p:nvPr>
             <p:ph idx="1" type="body"/>
@@ -1071,7 +1072,7 @@
       </p:sp>
       <p:sp>
         <p:nvSpPr>
-          <p:cNvPr id="135" name="Google Shape;135;p12:notes"/>
+          <p:cNvPr id="132" name="Google Shape;132;p11:notes"/>
           <p:cNvSpPr/>
           <p:nvPr>
             <p:ph idx="2" type="sldImg"/>
@@ -1117,7 +1118,7 @@
   <p:cSld>
     <p:spTree>
       <p:nvGrpSpPr>
-        <p:cNvPr id="140" name="Shape 140"/>
+        <p:cNvPr id="139" name="Shape 139"/>
         <p:cNvGrpSpPr/>
         <p:nvPr/>
       </p:nvGrpSpPr>
@@ -1131,46 +1132,7 @@
       </p:grpSpPr>
       <p:sp>
         <p:nvSpPr>
-          <p:cNvPr id="141" name="Google Shape;141;p13:notes"/>
-          <p:cNvSpPr txBox="1"/>
-          <p:nvPr>
-            <p:ph idx="1" type="body"/>
-          </p:nvPr>
-        </p:nvSpPr>
-        <p:spPr>
-          <a:xfrm>
-            <a:off x="1219200" y="3257550"/>
-            <a:ext cx="9753600" cy="3086100"/>
-          </a:xfrm>
-          <a:prstGeom prst="rect">
-            <a:avLst/>
-          </a:prstGeom>
-        </p:spPr>
-        <p:txBody>
-          <a:bodyPr anchorCtr="0" anchor="t" bIns="91425" lIns="91425" spcFirstLastPara="1" rIns="91425" wrap="square" tIns="91425">
-            <a:noAutofit/>
-          </a:bodyPr>
-          <a:lstStyle/>
-          <a:p>
-            <a:pPr indent="0" lvl="0" marL="0" rtl="0" algn="l">
-              <a:spcBef>
-                <a:spcPts val="0"/>
-              </a:spcBef>
-              <a:spcAft>
-                <a:spcPts val="0"/>
-              </a:spcAft>
-              <a:buNone/>
-            </a:pPr>
-            <a:r>
-              <a:t/>
-            </a:r>
-            <a:endParaRPr/>
-          </a:p>
-        </p:txBody>
-      </p:sp>
-      <p:sp>
-        <p:nvSpPr>
-          <p:cNvPr id="142" name="Google Shape;142;p13:notes"/>
+          <p:cNvPr id="140" name="Google Shape;140;gf2d44a8fd1_0_264:notes"/>
           <p:cNvSpPr/>
           <p:nvPr>
             <p:ph idx="2" type="sldImg"/>
@@ -1179,7 +1141,7 @@
         <p:spPr>
           <a:xfrm>
             <a:off x="2032400" y="514350"/>
-            <a:ext cx="8128400" cy="2571750"/>
+            <a:ext cx="8128500" cy="2571600"/>
           </a:xfrm>
           <a:custGeom>
             <a:rect b="b" l="l" r="r" t="t"/>
@@ -1203,34 +1165,9 @@
           </a:custGeom>
         </p:spPr>
       </p:sp>
-    </p:spTree>
-  </p:cSld>
-  <p:clrMapOvr>
-    <a:masterClrMapping/>
-  </p:clrMapOvr>
-</p:notes>
-</file>
-
-<file path=ppt/notesSlides/notesSlide14.xml><?xml version="1.0" encoding="utf-8"?>
-<p:notes xmlns:a="http://schemas.openxmlformats.org/drawingml/2006/main" xmlns:r="http://schemas.openxmlformats.org/officeDocument/2006/relationships" xmlns:mc="http://schemas.openxmlformats.org/markup-compatibility/2006" xmlns:mv="urn:schemas-microsoft-com:mac:vml" xmlns:p="http://schemas.openxmlformats.org/presentationml/2006/main" xmlns:c="http://schemas.openxmlformats.org/drawingml/2006/chart" xmlns:dgm="http://schemas.openxmlformats.org/drawingml/2006/diagram" xmlns:o="urn:schemas-microsoft-com:office:office" xmlns:v="urn:schemas-microsoft-com:vml" xmlns:pvml="urn:schemas-microsoft-com:office:powerpoint" xmlns:com="http://schemas.openxmlformats.org/drawingml/2006/compatibility" xmlns:p14="http://schemas.microsoft.com/office/powerpoint/2010/main" xmlns:p15="http://schemas.microsoft.com/office/powerpoint/2012/main" xmlns:ahyp="http://schemas.microsoft.com/office/drawing/2018/hyperlinkcolor" showMasterPhAnim="0" showMasterSp="0">
-  <p:cSld>
-    <p:spTree>
-      <p:nvGrpSpPr>
-        <p:cNvPr id="146" name="Shape 146"/>
-        <p:cNvGrpSpPr/>
-        <p:nvPr/>
-      </p:nvGrpSpPr>
-      <p:grpSpPr>
-        <a:xfrm>
-          <a:off x="0" y="0"/>
-          <a:ext cx="0" cy="0"/>
-          <a:chOff x="0" y="0"/>
-          <a:chExt cx="0" cy="0"/>
-        </a:xfrm>
-      </p:grpSpPr>
       <p:sp>
         <p:nvSpPr>
-          <p:cNvPr id="147" name="Google Shape;147;p14:notes"/>
+          <p:cNvPr id="141" name="Google Shape;141;gf2d44a8fd1_0_264:notes"/>
           <p:cNvSpPr txBox="1"/>
           <p:nvPr>
             <p:ph idx="1" type="body"/>
@@ -1267,9 +1204,73 @@
           </a:p>
         </p:txBody>
       </p:sp>
+    </p:spTree>
+  </p:cSld>
+  <p:clrMapOvr>
+    <a:masterClrMapping/>
+  </p:clrMapOvr>
+</p:notes>
+</file>
+
+<file path=ppt/notesSlides/notesSlide14.xml><?xml version="1.0" encoding="utf-8"?>
+<p:notes xmlns:a="http://schemas.openxmlformats.org/drawingml/2006/main" xmlns:r="http://schemas.openxmlformats.org/officeDocument/2006/relationships" xmlns:mc="http://schemas.openxmlformats.org/markup-compatibility/2006" xmlns:mv="urn:schemas-microsoft-com:mac:vml" xmlns:p="http://schemas.openxmlformats.org/presentationml/2006/main" xmlns:c="http://schemas.openxmlformats.org/drawingml/2006/chart" xmlns:dgm="http://schemas.openxmlformats.org/drawingml/2006/diagram" xmlns:o="urn:schemas-microsoft-com:office:office" xmlns:v="urn:schemas-microsoft-com:vml" xmlns:pvml="urn:schemas-microsoft-com:office:powerpoint" xmlns:com="http://schemas.openxmlformats.org/drawingml/2006/compatibility" xmlns:p14="http://schemas.microsoft.com/office/powerpoint/2010/main" xmlns:p15="http://schemas.microsoft.com/office/powerpoint/2012/main" xmlns:ahyp="http://schemas.microsoft.com/office/drawing/2018/hyperlinkcolor" showMasterPhAnim="0" showMasterSp="0">
+  <p:cSld>
+    <p:spTree>
+      <p:nvGrpSpPr>
+        <p:cNvPr id="144" name="Shape 144"/>
+        <p:cNvGrpSpPr/>
+        <p:nvPr/>
+      </p:nvGrpSpPr>
+      <p:grpSpPr>
+        <a:xfrm>
+          <a:off x="0" y="0"/>
+          <a:ext cx="0" cy="0"/>
+          <a:chOff x="0" y="0"/>
+          <a:chExt cx="0" cy="0"/>
+        </a:xfrm>
+      </p:grpSpPr>
       <p:sp>
         <p:nvSpPr>
-          <p:cNvPr id="148" name="Google Shape;148;p14:notes"/>
+          <p:cNvPr id="145" name="Google Shape;145;p12:notes"/>
+          <p:cNvSpPr txBox="1"/>
+          <p:nvPr>
+            <p:ph idx="1" type="body"/>
+          </p:nvPr>
+        </p:nvSpPr>
+        <p:spPr>
+          <a:xfrm>
+            <a:off x="1219200" y="3257550"/>
+            <a:ext cx="9753600" cy="3086100"/>
+          </a:xfrm>
+          <a:prstGeom prst="rect">
+            <a:avLst/>
+          </a:prstGeom>
+        </p:spPr>
+        <p:txBody>
+          <a:bodyPr anchorCtr="0" anchor="t" bIns="91425" lIns="91425" spcFirstLastPara="1" rIns="91425" wrap="square" tIns="91425">
+            <a:noAutofit/>
+          </a:bodyPr>
+          <a:lstStyle/>
+          <a:p>
+            <a:pPr indent="0" lvl="0" marL="0" rtl="0" algn="l">
+              <a:spcBef>
+                <a:spcPts val="0"/>
+              </a:spcBef>
+              <a:spcAft>
+                <a:spcPts val="0"/>
+              </a:spcAft>
+              <a:buNone/>
+            </a:pPr>
+            <a:r>
+              <a:t/>
+            </a:r>
+            <a:endParaRPr/>
+          </a:p>
+        </p:txBody>
+      </p:sp>
+      <p:sp>
+        <p:nvSpPr>
+          <p:cNvPr id="146" name="Google Shape;146;p12:notes"/>
           <p:cNvSpPr/>
           <p:nvPr>
             <p:ph idx="2" type="sldImg"/>
@@ -1315,7 +1316,7 @@
   <p:cSld>
     <p:spTree>
       <p:nvGrpSpPr>
-        <p:cNvPr id="152" name="Shape 152"/>
+        <p:cNvPr id="151" name="Shape 151"/>
         <p:cNvGrpSpPr/>
         <p:nvPr/>
       </p:nvGrpSpPr>
@@ -1329,7 +1330,7 @@
       </p:grpSpPr>
       <p:sp>
         <p:nvSpPr>
-          <p:cNvPr id="153" name="Google Shape;153;p16:notes"/>
+          <p:cNvPr id="152" name="Google Shape;152;p13:notes"/>
           <p:cNvSpPr txBox="1"/>
           <p:nvPr>
             <p:ph idx="1" type="body"/>
@@ -1368,7 +1369,7 @@
       </p:sp>
       <p:sp>
         <p:nvSpPr>
-          <p:cNvPr id="154" name="Google Shape;154;p16:notes"/>
+          <p:cNvPr id="153" name="Google Shape;153;p13:notes"/>
           <p:cNvSpPr/>
           <p:nvPr>
             <p:ph idx="2" type="sldImg"/>
@@ -1414,7 +1415,7 @@
   <p:cSld>
     <p:spTree>
       <p:nvGrpSpPr>
-        <p:cNvPr id="156" name="Shape 156"/>
+        <p:cNvPr id="157" name="Shape 157"/>
         <p:cNvGrpSpPr/>
         <p:nvPr/>
       </p:nvGrpSpPr>
@@ -1428,7 +1429,7 @@
       </p:grpSpPr>
       <p:sp>
         <p:nvSpPr>
-          <p:cNvPr id="157" name="Google Shape;157;p17:notes"/>
+          <p:cNvPr id="158" name="Google Shape;158;p14:notes"/>
           <p:cNvSpPr txBox="1"/>
           <p:nvPr>
             <p:ph idx="1" type="body"/>
@@ -1467,7 +1468,7 @@
       </p:sp>
       <p:sp>
         <p:nvSpPr>
-          <p:cNvPr id="158" name="Google Shape;158;p17:notes"/>
+          <p:cNvPr id="159" name="Google Shape;159;p14:notes"/>
           <p:cNvSpPr/>
           <p:nvPr>
             <p:ph idx="2" type="sldImg"/>
@@ -1513,7 +1514,7 @@
   <p:cSld>
     <p:spTree>
       <p:nvGrpSpPr>
-        <p:cNvPr id="162" name="Shape 162"/>
+        <p:cNvPr id="163" name="Shape 163"/>
         <p:cNvGrpSpPr/>
         <p:nvPr/>
       </p:nvGrpSpPr>
@@ -1527,7 +1528,7 @@
       </p:grpSpPr>
       <p:sp>
         <p:nvSpPr>
-          <p:cNvPr id="163" name="Google Shape;163;p18:notes"/>
+          <p:cNvPr id="164" name="Google Shape;164;p17:notes"/>
           <p:cNvSpPr txBox="1"/>
           <p:nvPr>
             <p:ph idx="1" type="body"/>
@@ -1566,7 +1567,7 @@
       </p:sp>
       <p:sp>
         <p:nvSpPr>
-          <p:cNvPr id="164" name="Google Shape;164;p18:notes"/>
+          <p:cNvPr id="165" name="Google Shape;165;p17:notes"/>
           <p:cNvSpPr/>
           <p:nvPr>
             <p:ph idx="2" type="sldImg"/>
@@ -1575,7 +1576,7 @@
         <p:spPr>
           <a:xfrm>
             <a:off x="2032400" y="514350"/>
-            <a:ext cx="8128500" cy="2571600"/>
+            <a:ext cx="8128400" cy="2571750"/>
           </a:xfrm>
           <a:custGeom>
             <a:rect b="b" l="l" r="r" t="t"/>
@@ -1612,7 +1613,7 @@
   <p:cSld>
     <p:spTree>
       <p:nvGrpSpPr>
-        <p:cNvPr id="168" name="Shape 168"/>
+        <p:cNvPr id="169" name="Shape 169"/>
         <p:cNvGrpSpPr/>
         <p:nvPr/>
       </p:nvGrpSpPr>
@@ -1626,7 +1627,7 @@
       </p:grpSpPr>
       <p:sp>
         <p:nvSpPr>
-          <p:cNvPr id="169" name="Google Shape;169;p21:notes"/>
+          <p:cNvPr id="170" name="Google Shape;170;p18:notes"/>
           <p:cNvSpPr txBox="1"/>
           <p:nvPr>
             <p:ph idx="1" type="body"/>
@@ -1665,7 +1666,7 @@
       </p:sp>
       <p:sp>
         <p:nvSpPr>
-          <p:cNvPr id="170" name="Google Shape;170;p21:notes"/>
+          <p:cNvPr id="171" name="Google Shape;171;p18:notes"/>
           <p:cNvSpPr/>
           <p:nvPr>
             <p:ph idx="2" type="sldImg"/>
@@ -1711,7 +1712,7 @@
   <p:cSld>
     <p:spTree>
       <p:nvGrpSpPr>
-        <p:cNvPr id="174" name="Shape 174"/>
+        <p:cNvPr id="175" name="Shape 175"/>
         <p:cNvGrpSpPr/>
         <p:nvPr/>
       </p:nvGrpSpPr>
@@ -1725,7 +1726,7 @@
       </p:grpSpPr>
       <p:sp>
         <p:nvSpPr>
-          <p:cNvPr id="175" name="Google Shape;175;p22:notes"/>
+          <p:cNvPr id="176" name="Google Shape;176;p21:notes"/>
           <p:cNvSpPr txBox="1"/>
           <p:nvPr>
             <p:ph idx="1" type="body"/>
@@ -1764,7 +1765,7 @@
       </p:sp>
       <p:sp>
         <p:nvSpPr>
-          <p:cNvPr id="176" name="Google Shape;176;p22:notes"/>
+          <p:cNvPr id="177" name="Google Shape;177;p21:notes"/>
           <p:cNvSpPr/>
           <p:nvPr>
             <p:ph idx="2" type="sldImg"/>
@@ -1773,7 +1774,7 @@
         <p:spPr>
           <a:xfrm>
             <a:off x="2032400" y="514350"/>
-            <a:ext cx="8128400" cy="2571750"/>
+            <a:ext cx="8128500" cy="2571600"/>
           </a:xfrm>
           <a:custGeom>
             <a:rect b="b" l="l" r="r" t="t"/>
@@ -1864,6 +1865,105 @@
       <p:sp>
         <p:nvSpPr>
           <p:cNvPr id="57" name="Google Shape;57;p2:notes"/>
+          <p:cNvSpPr/>
+          <p:nvPr>
+            <p:ph idx="2" type="sldImg"/>
+          </p:nvPr>
+        </p:nvSpPr>
+        <p:spPr>
+          <a:xfrm>
+            <a:off x="2032400" y="514350"/>
+            <a:ext cx="8128400" cy="2571750"/>
+          </a:xfrm>
+          <a:custGeom>
+            <a:rect b="b" l="l" r="r" t="t"/>
+            <a:pathLst>
+              <a:path extrusionOk="0" h="120000" w="120000">
+                <a:moveTo>
+                  <a:pt x="0" y="0"/>
+                </a:moveTo>
+                <a:lnTo>
+                  <a:pt x="120000" y="0"/>
+                </a:lnTo>
+                <a:lnTo>
+                  <a:pt x="120000" y="120000"/>
+                </a:lnTo>
+                <a:lnTo>
+                  <a:pt x="0" y="120000"/>
+                </a:lnTo>
+                <a:close/>
+              </a:path>
+            </a:pathLst>
+          </a:custGeom>
+        </p:spPr>
+      </p:sp>
+    </p:spTree>
+  </p:cSld>
+  <p:clrMapOvr>
+    <a:masterClrMapping/>
+  </p:clrMapOvr>
+</p:notes>
+</file>
+
+<file path=ppt/notesSlides/notesSlide20.xml><?xml version="1.0" encoding="utf-8"?>
+<p:notes xmlns:a="http://schemas.openxmlformats.org/drawingml/2006/main" xmlns:r="http://schemas.openxmlformats.org/officeDocument/2006/relationships" xmlns:mc="http://schemas.openxmlformats.org/markup-compatibility/2006" xmlns:mv="urn:schemas-microsoft-com:mac:vml" xmlns:p="http://schemas.openxmlformats.org/presentationml/2006/main" xmlns:c="http://schemas.openxmlformats.org/drawingml/2006/chart" xmlns:dgm="http://schemas.openxmlformats.org/drawingml/2006/diagram" xmlns:o="urn:schemas-microsoft-com:office:office" xmlns:v="urn:schemas-microsoft-com:vml" xmlns:pvml="urn:schemas-microsoft-com:office:powerpoint" xmlns:com="http://schemas.openxmlformats.org/drawingml/2006/compatibility" xmlns:p14="http://schemas.microsoft.com/office/powerpoint/2010/main" xmlns:p15="http://schemas.microsoft.com/office/powerpoint/2012/main" xmlns:ahyp="http://schemas.microsoft.com/office/drawing/2018/hyperlinkcolor" showMasterPhAnim="0" showMasterSp="0">
+  <p:cSld>
+    <p:spTree>
+      <p:nvGrpSpPr>
+        <p:cNvPr id="181" name="Shape 181"/>
+        <p:cNvGrpSpPr/>
+        <p:nvPr/>
+      </p:nvGrpSpPr>
+      <p:grpSpPr>
+        <a:xfrm>
+          <a:off x="0" y="0"/>
+          <a:ext cx="0" cy="0"/>
+          <a:chOff x="0" y="0"/>
+          <a:chExt cx="0" cy="0"/>
+        </a:xfrm>
+      </p:grpSpPr>
+      <p:sp>
+        <p:nvSpPr>
+          <p:cNvPr id="182" name="Google Shape;182;p22:notes"/>
+          <p:cNvSpPr txBox="1"/>
+          <p:nvPr>
+            <p:ph idx="1" type="body"/>
+          </p:nvPr>
+        </p:nvSpPr>
+        <p:spPr>
+          <a:xfrm>
+            <a:off x="1219200" y="3257550"/>
+            <a:ext cx="9753600" cy="3086100"/>
+          </a:xfrm>
+          <a:prstGeom prst="rect">
+            <a:avLst/>
+          </a:prstGeom>
+        </p:spPr>
+        <p:txBody>
+          <a:bodyPr anchorCtr="0" anchor="t" bIns="91425" lIns="91425" spcFirstLastPara="1" rIns="91425" wrap="square" tIns="91425">
+            <a:noAutofit/>
+          </a:bodyPr>
+          <a:lstStyle/>
+          <a:p>
+            <a:pPr indent="0" lvl="0" marL="0" rtl="0" algn="l">
+              <a:spcBef>
+                <a:spcPts val="0"/>
+              </a:spcBef>
+              <a:spcAft>
+                <a:spcPts val="0"/>
+              </a:spcAft>
+              <a:buNone/>
+            </a:pPr>
+            <a:r>
+              <a:t/>
+            </a:r>
+            <a:endParaRPr/>
+          </a:p>
+        </p:txBody>
+      </p:sp>
+      <p:sp>
+        <p:nvSpPr>
+          <p:cNvPr id="183" name="Google Shape;183;p22:notes"/>
           <p:cNvSpPr/>
           <p:nvPr>
             <p:ph idx="2" type="sldImg"/>
@@ -2418,46 +2518,7 @@
       </p:grpSpPr>
       <p:sp>
         <p:nvSpPr>
-          <p:cNvPr id="104" name="Google Shape;104;p8:notes"/>
-          <p:cNvSpPr txBox="1"/>
-          <p:nvPr>
-            <p:ph idx="1" type="body"/>
-          </p:nvPr>
-        </p:nvSpPr>
-        <p:spPr>
-          <a:xfrm>
-            <a:off x="1219200" y="3257550"/>
-            <a:ext cx="9753600" cy="3086100"/>
-          </a:xfrm>
-          <a:prstGeom prst="rect">
-            <a:avLst/>
-          </a:prstGeom>
-        </p:spPr>
-        <p:txBody>
-          <a:bodyPr anchorCtr="0" anchor="t" bIns="91425" lIns="91425" spcFirstLastPara="1" rIns="91425" wrap="square" tIns="91425">
-            <a:noAutofit/>
-          </a:bodyPr>
-          <a:lstStyle/>
-          <a:p>
-            <a:pPr indent="0" lvl="0" marL="0" rtl="0" algn="l">
-              <a:spcBef>
-                <a:spcPts val="0"/>
-              </a:spcBef>
-              <a:spcAft>
-                <a:spcPts val="0"/>
-              </a:spcAft>
-              <a:buNone/>
-            </a:pPr>
-            <a:r>
-              <a:t/>
-            </a:r>
-            <a:endParaRPr/>
-          </a:p>
-        </p:txBody>
-      </p:sp>
-      <p:sp>
-        <p:nvSpPr>
-          <p:cNvPr id="105" name="Google Shape;105;p8:notes"/>
+          <p:cNvPr id="104" name="Google Shape;104;gf2d44a8fd1_0_268:notes"/>
           <p:cNvSpPr/>
           <p:nvPr>
             <p:ph idx="2" type="sldImg"/>
@@ -2466,7 +2527,7 @@
         <p:spPr>
           <a:xfrm>
             <a:off x="2032400" y="514350"/>
-            <a:ext cx="8128400" cy="2571750"/>
+            <a:ext cx="8128500" cy="2571600"/>
           </a:xfrm>
           <a:custGeom>
             <a:rect b="b" l="l" r="r" t="t"/>
@@ -2490,34 +2551,9 @@
           </a:custGeom>
         </p:spPr>
       </p:sp>
-    </p:spTree>
-  </p:cSld>
-  <p:clrMapOvr>
-    <a:masterClrMapping/>
-  </p:clrMapOvr>
-</p:notes>
-</file>
-
-<file path=ppt/notesSlides/notesSlide9.xml><?xml version="1.0" encoding="utf-8"?>
-<p:notes xmlns:a="http://schemas.openxmlformats.org/drawingml/2006/main" xmlns:r="http://schemas.openxmlformats.org/officeDocument/2006/relationships" xmlns:mc="http://schemas.openxmlformats.org/markup-compatibility/2006" xmlns:mv="urn:schemas-microsoft-com:mac:vml" xmlns:p="http://schemas.openxmlformats.org/presentationml/2006/main" xmlns:c="http://schemas.openxmlformats.org/drawingml/2006/chart" xmlns:dgm="http://schemas.openxmlformats.org/drawingml/2006/diagram" xmlns:o="urn:schemas-microsoft-com:office:office" xmlns:v="urn:schemas-microsoft-com:vml" xmlns:pvml="urn:schemas-microsoft-com:office:powerpoint" xmlns:com="http://schemas.openxmlformats.org/drawingml/2006/compatibility" xmlns:p14="http://schemas.microsoft.com/office/powerpoint/2010/main" xmlns:p15="http://schemas.microsoft.com/office/powerpoint/2012/main" xmlns:ahyp="http://schemas.microsoft.com/office/drawing/2018/hyperlinkcolor" showMasterPhAnim="0" showMasterSp="0">
-  <p:cSld>
-    <p:spTree>
-      <p:nvGrpSpPr>
-        <p:cNvPr id="110" name="Shape 110"/>
-        <p:cNvGrpSpPr/>
-        <p:nvPr/>
-      </p:nvGrpSpPr>
-      <p:grpSpPr>
-        <a:xfrm>
-          <a:off x="0" y="0"/>
-          <a:ext cx="0" cy="0"/>
-          <a:chOff x="0" y="0"/>
-          <a:chExt cx="0" cy="0"/>
-        </a:xfrm>
-      </p:grpSpPr>
       <p:sp>
         <p:nvSpPr>
-          <p:cNvPr id="111" name="Google Shape;111;p9:notes"/>
+          <p:cNvPr id="105" name="Google Shape;105;gf2d44a8fd1_0_268:notes"/>
           <p:cNvSpPr txBox="1"/>
           <p:nvPr>
             <p:ph idx="1" type="body"/>
@@ -2554,9 +2590,73 @@
           </a:p>
         </p:txBody>
       </p:sp>
+    </p:spTree>
+  </p:cSld>
+  <p:clrMapOvr>
+    <a:masterClrMapping/>
+  </p:clrMapOvr>
+</p:notes>
+</file>
+
+<file path=ppt/notesSlides/notesSlide9.xml><?xml version="1.0" encoding="utf-8"?>
+<p:notes xmlns:a="http://schemas.openxmlformats.org/drawingml/2006/main" xmlns:r="http://schemas.openxmlformats.org/officeDocument/2006/relationships" xmlns:mc="http://schemas.openxmlformats.org/markup-compatibility/2006" xmlns:mv="urn:schemas-microsoft-com:mac:vml" xmlns:p="http://schemas.openxmlformats.org/presentationml/2006/main" xmlns:c="http://schemas.openxmlformats.org/drawingml/2006/chart" xmlns:dgm="http://schemas.openxmlformats.org/drawingml/2006/diagram" xmlns:o="urn:schemas-microsoft-com:office:office" xmlns:v="urn:schemas-microsoft-com:vml" xmlns:pvml="urn:schemas-microsoft-com:office:powerpoint" xmlns:com="http://schemas.openxmlformats.org/drawingml/2006/compatibility" xmlns:p14="http://schemas.microsoft.com/office/powerpoint/2010/main" xmlns:p15="http://schemas.microsoft.com/office/powerpoint/2012/main" xmlns:ahyp="http://schemas.microsoft.com/office/drawing/2018/hyperlinkcolor" showMasterPhAnim="0" showMasterSp="0">
+  <p:cSld>
+    <p:spTree>
+      <p:nvGrpSpPr>
+        <p:cNvPr id="109" name="Shape 109"/>
+        <p:cNvGrpSpPr/>
+        <p:nvPr/>
+      </p:nvGrpSpPr>
+      <p:grpSpPr>
+        <a:xfrm>
+          <a:off x="0" y="0"/>
+          <a:ext cx="0" cy="0"/>
+          <a:chOff x="0" y="0"/>
+          <a:chExt cx="0" cy="0"/>
+        </a:xfrm>
+      </p:grpSpPr>
       <p:sp>
         <p:nvSpPr>
-          <p:cNvPr id="112" name="Google Shape;112;p9:notes"/>
+          <p:cNvPr id="110" name="Google Shape;110;p8:notes"/>
+          <p:cNvSpPr txBox="1"/>
+          <p:nvPr>
+            <p:ph idx="1" type="body"/>
+          </p:nvPr>
+        </p:nvSpPr>
+        <p:spPr>
+          <a:xfrm>
+            <a:off x="1219200" y="3257550"/>
+            <a:ext cx="9753600" cy="3086100"/>
+          </a:xfrm>
+          <a:prstGeom prst="rect">
+            <a:avLst/>
+          </a:prstGeom>
+        </p:spPr>
+        <p:txBody>
+          <a:bodyPr anchorCtr="0" anchor="t" bIns="91425" lIns="91425" spcFirstLastPara="1" rIns="91425" wrap="square" tIns="91425">
+            <a:noAutofit/>
+          </a:bodyPr>
+          <a:lstStyle/>
+          <a:p>
+            <a:pPr indent="0" lvl="0" marL="0" rtl="0" algn="l">
+              <a:spcBef>
+                <a:spcPts val="0"/>
+              </a:spcBef>
+              <a:spcAft>
+                <a:spcPts val="0"/>
+              </a:spcAft>
+              <a:buNone/>
+            </a:pPr>
+            <a:r>
+              <a:t/>
+            </a:r>
+            <a:endParaRPr/>
+          </a:p>
+        </p:txBody>
+      </p:sp>
+      <p:sp>
+        <p:nvSpPr>
+          <p:cNvPr id="111" name="Google Shape;111;p8:notes"/>
           <p:cNvSpPr/>
           <p:nvPr>
             <p:ph idx="2" type="sldImg"/>
@@ -8303,7 +8403,7 @@
   <p:cSld>
     <p:spTree>
       <p:nvGrpSpPr>
-        <p:cNvPr id="120" name="Shape 120"/>
+        <p:cNvPr id="119" name="Shape 119"/>
         <p:cNvGrpSpPr/>
         <p:nvPr/>
       </p:nvGrpSpPr>
@@ -8317,7 +8417,302 @@
       </p:grpSpPr>
       <p:pic>
         <p:nvPicPr>
-          <p:cNvPr descr="Chart, bar chart&#10;&#10;Description automatically generated" id="121" name="Google Shape;121;p10"/>
+          <p:cNvPr id="120" name="Google Shape;120;p9"/>
+          <p:cNvPicPr preferRelativeResize="0"/>
+          <p:nvPr/>
+        </p:nvPicPr>
+        <p:blipFill rotWithShape="1">
+          <a:blip r:embed="rId3">
+            <a:alphaModFix/>
+          </a:blip>
+          <a:srcRect b="0" l="0" r="0" t="0"/>
+          <a:stretch/>
+        </p:blipFill>
+        <p:spPr>
+          <a:xfrm>
+            <a:off x="304800" y="1219200"/>
+            <a:ext cx="7163971" cy="5181600"/>
+          </a:xfrm>
+          <a:prstGeom prst="rect">
+            <a:avLst/>
+          </a:prstGeom>
+          <a:noFill/>
+          <a:ln>
+            <a:noFill/>
+          </a:ln>
+        </p:spPr>
+      </p:pic>
+      <p:sp>
+        <p:nvSpPr>
+          <p:cNvPr id="121" name="Google Shape;121;p9"/>
+          <p:cNvSpPr txBox="1"/>
+          <p:nvPr/>
+        </p:nvSpPr>
+        <p:spPr>
+          <a:xfrm>
+            <a:off x="8153400" y="914400"/>
+            <a:ext cx="2819400" cy="4708981"/>
+          </a:xfrm>
+          <a:prstGeom prst="rect">
+            <a:avLst/>
+          </a:prstGeom>
+          <a:noFill/>
+          <a:ln>
+            <a:noFill/>
+          </a:ln>
+        </p:spPr>
+        <p:txBody>
+          <a:bodyPr anchorCtr="0" anchor="t" bIns="45700" lIns="91425" spcFirstLastPara="1" rIns="91425" wrap="square" tIns="45700">
+            <a:spAutoFit/>
+          </a:bodyPr>
+          <a:lstStyle/>
+          <a:p>
+            <a:pPr indent="0" lvl="0" marL="0" marR="0" rtl="0" algn="l">
+              <a:spcBef>
+                <a:spcPts val="0"/>
+              </a:spcBef>
+              <a:spcAft>
+                <a:spcPts val="0"/>
+              </a:spcAft>
+              <a:buNone/>
+            </a:pPr>
+            <a:r>
+              <a:rPr lang="en-US" sz="2000">
+                <a:solidFill>
+                  <a:schemeClr val="dk1"/>
+                </a:solidFill>
+                <a:latin typeface="Calibri"/>
+                <a:ea typeface="Calibri"/>
+                <a:cs typeface="Calibri"/>
+                <a:sym typeface="Calibri"/>
+              </a:rPr>
+              <a:t>Taking into account the first 3 regions, that women who are from:</a:t>
+            </a:r>
+            <a:endParaRPr/>
+          </a:p>
+          <a:p>
+            <a:pPr indent="0" lvl="0" marL="0" marR="0" rtl="0" algn="l">
+              <a:spcBef>
+                <a:spcPts val="0"/>
+              </a:spcBef>
+              <a:spcAft>
+                <a:spcPts val="0"/>
+              </a:spcAft>
+              <a:buNone/>
+            </a:pPr>
+            <a:r>
+              <a:rPr lang="en-US" sz="2000">
+                <a:solidFill>
+                  <a:schemeClr val="dk1"/>
+                </a:solidFill>
+                <a:latin typeface="Calibri"/>
+                <a:ea typeface="Calibri"/>
+                <a:cs typeface="Calibri"/>
+                <a:sym typeface="Calibri"/>
+              </a:rPr>
+              <a:t>West:</a:t>
+            </a:r>
+            <a:endParaRPr/>
+          </a:p>
+          <a:p>
+            <a:pPr indent="0" lvl="0" marL="0" marR="0" rtl="0" algn="l">
+              <a:spcBef>
+                <a:spcPts val="0"/>
+              </a:spcBef>
+              <a:spcAft>
+                <a:spcPts val="0"/>
+              </a:spcAft>
+              <a:buNone/>
+            </a:pPr>
+            <a:r>
+              <a:rPr lang="en-US" sz="2000">
+                <a:solidFill>
+                  <a:schemeClr val="dk1"/>
+                </a:solidFill>
+                <a:latin typeface="Calibri"/>
+                <a:ea typeface="Calibri"/>
+                <a:cs typeface="Calibri"/>
+                <a:sym typeface="Calibri"/>
+              </a:rPr>
+              <a:t>North: </a:t>
+            </a:r>
+            <a:endParaRPr/>
+          </a:p>
+          <a:p>
+            <a:pPr indent="0" lvl="0" marL="0" marR="0" rtl="0" algn="l">
+              <a:spcBef>
+                <a:spcPts val="0"/>
+              </a:spcBef>
+              <a:spcAft>
+                <a:spcPts val="0"/>
+              </a:spcAft>
+              <a:buNone/>
+            </a:pPr>
+            <a:r>
+              <a:rPr lang="en-US" sz="2000">
+                <a:solidFill>
+                  <a:schemeClr val="dk1"/>
+                </a:solidFill>
+                <a:latin typeface="Calibri"/>
+                <a:ea typeface="Calibri"/>
+                <a:cs typeface="Calibri"/>
+                <a:sym typeface="Calibri"/>
+              </a:rPr>
+              <a:t>Artibonite:</a:t>
+            </a:r>
+            <a:endParaRPr/>
+          </a:p>
+          <a:p>
+            <a:pPr indent="0" lvl="0" marL="0" marR="0" rtl="0" algn="l">
+              <a:spcBef>
+                <a:spcPts val="0"/>
+              </a:spcBef>
+              <a:spcAft>
+                <a:spcPts val="0"/>
+              </a:spcAft>
+              <a:buNone/>
+            </a:pPr>
+            <a:r>
+              <a:rPr lang="en-US" sz="2000">
+                <a:solidFill>
+                  <a:schemeClr val="dk1"/>
+                </a:solidFill>
+                <a:latin typeface="Calibri"/>
+                <a:ea typeface="Calibri"/>
+                <a:cs typeface="Calibri"/>
+                <a:sym typeface="Calibri"/>
+              </a:rPr>
+              <a:t> are much more victims of domestic violence.</a:t>
+            </a:r>
+            <a:endParaRPr/>
+          </a:p>
+          <a:p>
+            <a:pPr indent="0" lvl="0" marL="0" marR="0" rtl="0" algn="l">
+              <a:spcBef>
+                <a:spcPts val="0"/>
+              </a:spcBef>
+              <a:spcAft>
+                <a:spcPts val="0"/>
+              </a:spcAft>
+              <a:buNone/>
+            </a:pPr>
+            <a:r>
+              <a:rPr lang="en-US" sz="2000">
+                <a:solidFill>
+                  <a:schemeClr val="dk1"/>
+                </a:solidFill>
+                <a:latin typeface="Calibri"/>
+                <a:ea typeface="Calibri"/>
+                <a:cs typeface="Calibri"/>
+                <a:sym typeface="Calibri"/>
+              </a:rPr>
+              <a:t>We can therefore say that women from Artibonite, West and North are twice as much victims as the other regions.</a:t>
+            </a:r>
+            <a:endParaRPr/>
+          </a:p>
+          <a:p>
+            <a:pPr indent="0" lvl="0" marL="0" marR="0" rtl="0" algn="l">
+              <a:spcBef>
+                <a:spcPts val="0"/>
+              </a:spcBef>
+              <a:spcAft>
+                <a:spcPts val="0"/>
+              </a:spcAft>
+              <a:buNone/>
+            </a:pPr>
+            <a:r>
+              <a:t/>
+            </a:r>
+            <a:endParaRPr sz="2000">
+              <a:solidFill>
+                <a:schemeClr val="dk1"/>
+              </a:solidFill>
+              <a:latin typeface="Calibri"/>
+              <a:ea typeface="Calibri"/>
+              <a:cs typeface="Calibri"/>
+              <a:sym typeface="Calibri"/>
+            </a:endParaRPr>
+          </a:p>
+        </p:txBody>
+      </p:sp>
+      <p:sp>
+        <p:nvSpPr>
+          <p:cNvPr id="122" name="Google Shape;122;p9"/>
+          <p:cNvSpPr txBox="1"/>
+          <p:nvPr/>
+        </p:nvSpPr>
+        <p:spPr>
+          <a:xfrm>
+            <a:off x="3048000" y="381000"/>
+            <a:ext cx="3733800" cy="584775"/>
+          </a:xfrm>
+          <a:prstGeom prst="rect">
+            <a:avLst/>
+          </a:prstGeom>
+          <a:noFill/>
+          <a:ln>
+            <a:noFill/>
+          </a:ln>
+        </p:spPr>
+        <p:txBody>
+          <a:bodyPr anchorCtr="0" anchor="t" bIns="45700" lIns="91425" spcFirstLastPara="1" rIns="91425" wrap="square" tIns="45700">
+            <a:spAutoFit/>
+          </a:bodyPr>
+          <a:lstStyle/>
+          <a:p>
+            <a:pPr indent="0" lvl="0" marL="0" marR="0" rtl="0" algn="ctr">
+              <a:spcBef>
+                <a:spcPts val="0"/>
+              </a:spcBef>
+              <a:spcAft>
+                <a:spcPts val="0"/>
+              </a:spcAft>
+              <a:buNone/>
+            </a:pPr>
+            <a:r>
+              <a:rPr lang="en-US" sz="3200">
+                <a:solidFill>
+                  <a:schemeClr val="dk1"/>
+                </a:solidFill>
+                <a:latin typeface="Calibri"/>
+                <a:ea typeface="Calibri"/>
+                <a:cs typeface="Calibri"/>
+                <a:sym typeface="Calibri"/>
+              </a:rPr>
+              <a:t>Region  Distribution</a:t>
+            </a:r>
+            <a:endParaRPr/>
+          </a:p>
+        </p:txBody>
+      </p:sp>
+    </p:spTree>
+  </p:cSld>
+  <p:clrMapOvr>
+    <a:masterClrMapping/>
+  </p:clrMapOvr>
+</p:sld>
+</file>
+
+<file path=ppt/slides/slide11.xml><?xml version="1.0" encoding="utf-8"?>
+<p:sld xmlns:a="http://schemas.openxmlformats.org/drawingml/2006/main" xmlns:r="http://schemas.openxmlformats.org/officeDocument/2006/relationships" xmlns:mc="http://schemas.openxmlformats.org/markup-compatibility/2006" xmlns:mv="urn:schemas-microsoft-com:mac:vml" xmlns:p="http://schemas.openxmlformats.org/presentationml/2006/main" xmlns:c="http://schemas.openxmlformats.org/drawingml/2006/chart" xmlns:dgm="http://schemas.openxmlformats.org/drawingml/2006/diagram" xmlns:o="urn:schemas-microsoft-com:office:office" xmlns:v="urn:schemas-microsoft-com:vml" xmlns:pvml="urn:schemas-microsoft-com:office:powerpoint" xmlns:com="http://schemas.openxmlformats.org/drawingml/2006/compatibility" xmlns:p14="http://schemas.microsoft.com/office/powerpoint/2010/main" xmlns:p15="http://schemas.microsoft.com/office/powerpoint/2012/main" xmlns:ahyp="http://schemas.microsoft.com/office/drawing/2018/hyperlinkcolor">
+  <p:cSld>
+    <p:spTree>
+      <p:nvGrpSpPr>
+        <p:cNvPr id="126" name="Shape 126"/>
+        <p:cNvGrpSpPr/>
+        <p:nvPr/>
+      </p:nvGrpSpPr>
+      <p:grpSpPr>
+        <a:xfrm>
+          <a:off x="0" y="0"/>
+          <a:ext cx="0" cy="0"/>
+          <a:chOff x="0" y="0"/>
+          <a:chExt cx="0" cy="0"/>
+        </a:xfrm>
+      </p:grpSpPr>
+      <p:pic>
+        <p:nvPicPr>
+          <p:cNvPr descr="Chart, bar chart&#10;&#10;Description automatically generated" id="127" name="Google Shape;127;p10"/>
           <p:cNvPicPr preferRelativeResize="0"/>
           <p:nvPr/>
         </p:nvPicPr>
@@ -8344,7 +8739,7 @@
       </p:pic>
       <p:sp>
         <p:nvSpPr>
-          <p:cNvPr id="122" name="Google Shape;122;p10"/>
+          <p:cNvPr id="128" name="Google Shape;128;p10"/>
           <p:cNvSpPr txBox="1"/>
           <p:nvPr/>
         </p:nvSpPr>
@@ -8394,7 +8789,7 @@
       </p:sp>
       <p:sp>
         <p:nvSpPr>
-          <p:cNvPr id="123" name="Google Shape;123;p10"/>
+          <p:cNvPr id="129" name="Google Shape;129;p10"/>
           <p:cNvSpPr txBox="1"/>
           <p:nvPr/>
         </p:nvSpPr>
@@ -8474,12 +8869,12 @@
 </p:sld>
 </file>
 
-<file path=ppt/slides/slide11.xml><?xml version="1.0" encoding="utf-8"?>
+<file path=ppt/slides/slide12.xml><?xml version="1.0" encoding="utf-8"?>
 <p:sld xmlns:a="http://schemas.openxmlformats.org/drawingml/2006/main" xmlns:r="http://schemas.openxmlformats.org/officeDocument/2006/relationships" xmlns:mc="http://schemas.openxmlformats.org/markup-compatibility/2006" xmlns:mv="urn:schemas-microsoft-com:mac:vml" xmlns:p="http://schemas.openxmlformats.org/presentationml/2006/main" xmlns:c="http://schemas.openxmlformats.org/drawingml/2006/chart" xmlns:dgm="http://schemas.openxmlformats.org/drawingml/2006/diagram" xmlns:o="urn:schemas-microsoft-com:office:office" xmlns:v="urn:schemas-microsoft-com:vml" xmlns:pvml="urn:schemas-microsoft-com:office:powerpoint" xmlns:com="http://schemas.openxmlformats.org/drawingml/2006/compatibility" xmlns:p14="http://schemas.microsoft.com/office/powerpoint/2010/main" xmlns:p15="http://schemas.microsoft.com/office/powerpoint/2012/main" xmlns:ahyp="http://schemas.microsoft.com/office/drawing/2018/hyperlinkcolor">
   <p:cSld>
     <p:spTree>
       <p:nvGrpSpPr>
-        <p:cNvPr id="127" name="Shape 127"/>
+        <p:cNvPr id="133" name="Shape 133"/>
         <p:cNvGrpSpPr/>
         <p:nvPr/>
       </p:nvGrpSpPr>
@@ -8493,7 +8888,7 @@
       </p:grpSpPr>
       <p:pic>
         <p:nvPicPr>
-          <p:cNvPr id="128" name="Google Shape;128;p11"/>
+          <p:cNvPr id="134" name="Google Shape;134;p11"/>
           <p:cNvPicPr preferRelativeResize="0"/>
           <p:nvPr/>
         </p:nvPicPr>
@@ -8520,7 +8915,7 @@
       </p:pic>
       <p:pic>
         <p:nvPicPr>
-          <p:cNvPr descr="Chart, bar chart&#10;&#10;Description automatically generated" id="129" name="Google Shape;129;p11"/>
+          <p:cNvPr descr="Chart, bar chart&#10;&#10;Description automatically generated" id="135" name="Google Shape;135;p11"/>
           <p:cNvPicPr preferRelativeResize="0"/>
           <p:nvPr/>
         </p:nvPicPr>
@@ -8547,7 +8942,7 @@
       </p:pic>
       <p:sp>
         <p:nvSpPr>
-          <p:cNvPr id="130" name="Google Shape;130;p11"/>
+          <p:cNvPr id="136" name="Google Shape;136;p11"/>
           <p:cNvSpPr txBox="1"/>
           <p:nvPr/>
         </p:nvSpPr>
@@ -8597,7 +8992,7 @@
       </p:sp>
       <p:sp>
         <p:nvSpPr>
-          <p:cNvPr id="131" name="Google Shape;131;p11"/>
+          <p:cNvPr id="137" name="Google Shape;137;p11"/>
           <p:cNvSpPr txBox="1"/>
           <p:nvPr/>
         </p:nvSpPr>
@@ -8647,7 +9042,7 @@
       </p:sp>
       <p:sp>
         <p:nvSpPr>
-          <p:cNvPr id="132" name="Google Shape;132;p11"/>
+          <p:cNvPr id="138" name="Google Shape;138;p11"/>
           <p:cNvSpPr txBox="1"/>
           <p:nvPr/>
         </p:nvSpPr>
@@ -8703,12 +9098,12 @@
 </p:sld>
 </file>
 
-<file path=ppt/slides/slide12.xml><?xml version="1.0" encoding="utf-8"?>
+<file path=ppt/slides/slide13.xml><?xml version="1.0" encoding="utf-8"?>
 <p:sld xmlns:a="http://schemas.openxmlformats.org/drawingml/2006/main" xmlns:r="http://schemas.openxmlformats.org/officeDocument/2006/relationships" xmlns:mc="http://schemas.openxmlformats.org/markup-compatibility/2006" xmlns:mv="urn:schemas-microsoft-com:mac:vml" xmlns:p="http://schemas.openxmlformats.org/presentationml/2006/main" xmlns:c="http://schemas.openxmlformats.org/drawingml/2006/chart" xmlns:dgm="http://schemas.openxmlformats.org/drawingml/2006/diagram" xmlns:o="urn:schemas-microsoft-com:office:office" xmlns:v="urn:schemas-microsoft-com:vml" xmlns:pvml="urn:schemas-microsoft-com:office:powerpoint" xmlns:com="http://schemas.openxmlformats.org/drawingml/2006/compatibility" xmlns:p14="http://schemas.microsoft.com/office/powerpoint/2010/main" xmlns:p15="http://schemas.microsoft.com/office/powerpoint/2012/main" xmlns:ahyp="http://schemas.microsoft.com/office/drawing/2018/hyperlinkcolor">
   <p:cSld>
     <p:spTree>
       <p:nvGrpSpPr>
-        <p:cNvPr id="136" name="Shape 136"/>
+        <p:cNvPr id="142" name="Shape 142"/>
         <p:cNvGrpSpPr/>
         <p:nvPr/>
       </p:nvGrpSpPr>
@@ -8722,7 +9117,82 @@
       </p:grpSpPr>
       <p:sp>
         <p:nvSpPr>
-          <p:cNvPr id="137" name="Google Shape;137;p12"/>
+          <p:cNvPr id="143" name="Google Shape;143;gf2d44a8fd1_0_264"/>
+          <p:cNvSpPr/>
+          <p:nvPr/>
+        </p:nvSpPr>
+        <p:spPr>
+          <a:xfrm>
+            <a:off x="2563100" y="2092025"/>
+            <a:ext cx="5541900" cy="1329900"/>
+          </a:xfrm>
+          <a:prstGeom prst="rect">
+            <a:avLst/>
+          </a:prstGeom>
+          <a:solidFill>
+            <a:schemeClr val="lt2"/>
+          </a:solidFill>
+          <a:ln cap="flat" cmpd="sng" w="9525">
+            <a:solidFill>
+              <a:schemeClr val="dk2"/>
+            </a:solidFill>
+            <a:prstDash val="solid"/>
+            <a:round/>
+            <a:headEnd len="sm" w="sm" type="none"/>
+            <a:tailEnd len="sm" w="sm" type="none"/>
+          </a:ln>
+        </p:spPr>
+        <p:txBody>
+          <a:bodyPr anchorCtr="0" anchor="ctr" bIns="91425" lIns="91425" spcFirstLastPara="1" rIns="91425" wrap="square" tIns="91425">
+            <a:noAutofit/>
+          </a:bodyPr>
+          <a:lstStyle/>
+          <a:p>
+            <a:pPr indent="0" lvl="0" marL="0" rtl="0" algn="ctr">
+              <a:spcBef>
+                <a:spcPts val="0"/>
+              </a:spcBef>
+              <a:spcAft>
+                <a:spcPts val="0"/>
+              </a:spcAft>
+              <a:buNone/>
+            </a:pPr>
+            <a:r>
+              <a:rPr b="1" lang="en-US" sz="3000"/>
+              <a:t>Machine Learning loading</a:t>
+            </a:r>
+            <a:endParaRPr b="1" sz="3000"/>
+          </a:p>
+        </p:txBody>
+      </p:sp>
+    </p:spTree>
+  </p:cSld>
+  <p:clrMapOvr>
+    <a:masterClrMapping/>
+  </p:clrMapOvr>
+</p:sld>
+</file>
+
+<file path=ppt/slides/slide14.xml><?xml version="1.0" encoding="utf-8"?>
+<p:sld xmlns:a="http://schemas.openxmlformats.org/drawingml/2006/main" xmlns:r="http://schemas.openxmlformats.org/officeDocument/2006/relationships" xmlns:mc="http://schemas.openxmlformats.org/markup-compatibility/2006" xmlns:mv="urn:schemas-microsoft-com:mac:vml" xmlns:p="http://schemas.openxmlformats.org/presentationml/2006/main" xmlns:c="http://schemas.openxmlformats.org/drawingml/2006/chart" xmlns:dgm="http://schemas.openxmlformats.org/drawingml/2006/diagram" xmlns:o="urn:schemas-microsoft-com:office:office" xmlns:v="urn:schemas-microsoft-com:vml" xmlns:pvml="urn:schemas-microsoft-com:office:powerpoint" xmlns:com="http://schemas.openxmlformats.org/drawingml/2006/compatibility" xmlns:p14="http://schemas.microsoft.com/office/powerpoint/2010/main" xmlns:p15="http://schemas.microsoft.com/office/powerpoint/2012/main" xmlns:ahyp="http://schemas.microsoft.com/office/drawing/2018/hyperlinkcolor">
+  <p:cSld>
+    <p:spTree>
+      <p:nvGrpSpPr>
+        <p:cNvPr id="147" name="Shape 147"/>
+        <p:cNvGrpSpPr/>
+        <p:nvPr/>
+      </p:nvGrpSpPr>
+      <p:grpSpPr>
+        <a:xfrm>
+          <a:off x="0" y="0"/>
+          <a:ext cx="0" cy="0"/>
+          <a:chOff x="0" y="0"/>
+          <a:chExt cx="0" cy="0"/>
+        </a:xfrm>
+      </p:grpSpPr>
+      <p:sp>
+        <p:nvSpPr>
+          <p:cNvPr id="148" name="Google Shape;148;p12"/>
           <p:cNvSpPr txBox="1"/>
           <p:nvPr/>
         </p:nvSpPr>
@@ -8772,7 +9242,7 @@
       </p:sp>
       <p:sp>
         <p:nvSpPr>
-          <p:cNvPr id="138" name="Google Shape;138;p12"/>
+          <p:cNvPr id="149" name="Google Shape;149;p12"/>
           <p:cNvSpPr txBox="1"/>
           <p:nvPr/>
         </p:nvSpPr>
@@ -9019,7 +9489,7 @@
       </p:sp>
       <p:pic>
         <p:nvPicPr>
-          <p:cNvPr id="139" name="Google Shape;139;p12"/>
+          <p:cNvPr id="150" name="Google Shape;150;p12"/>
           <p:cNvPicPr preferRelativeResize="0"/>
           <p:nvPr/>
         </p:nvPicPr>
@@ -9052,12 +9522,12 @@
 </p:sld>
 </file>
 
-<file path=ppt/slides/slide13.xml><?xml version="1.0" encoding="utf-8"?>
+<file path=ppt/slides/slide15.xml><?xml version="1.0" encoding="utf-8"?>
 <p:sld xmlns:a="http://schemas.openxmlformats.org/drawingml/2006/main" xmlns:r="http://schemas.openxmlformats.org/officeDocument/2006/relationships" xmlns:mc="http://schemas.openxmlformats.org/markup-compatibility/2006" xmlns:mv="urn:schemas-microsoft-com:mac:vml" xmlns:p="http://schemas.openxmlformats.org/presentationml/2006/main" xmlns:c="http://schemas.openxmlformats.org/drawingml/2006/chart" xmlns:dgm="http://schemas.openxmlformats.org/drawingml/2006/diagram" xmlns:o="urn:schemas-microsoft-com:office:office" xmlns:v="urn:schemas-microsoft-com:vml" xmlns:pvml="urn:schemas-microsoft-com:office:powerpoint" xmlns:com="http://schemas.openxmlformats.org/drawingml/2006/compatibility" xmlns:p14="http://schemas.microsoft.com/office/powerpoint/2010/main" xmlns:p15="http://schemas.microsoft.com/office/powerpoint/2012/main" xmlns:ahyp="http://schemas.microsoft.com/office/drawing/2018/hyperlinkcolor">
   <p:cSld>
     <p:spTree>
       <p:nvGrpSpPr>
-        <p:cNvPr id="143" name="Shape 143"/>
+        <p:cNvPr id="154" name="Shape 154"/>
         <p:cNvGrpSpPr/>
         <p:nvPr/>
       </p:nvGrpSpPr>
@@ -9071,7 +9541,7 @@
       </p:grpSpPr>
       <p:pic>
         <p:nvPicPr>
-          <p:cNvPr descr="See the source image" id="144" name="Google Shape;144;p13"/>
+          <p:cNvPr descr="See the source image" id="155" name="Google Shape;155;p13"/>
           <p:cNvPicPr preferRelativeResize="0"/>
           <p:nvPr/>
         </p:nvPicPr>
@@ -9098,7 +9568,7 @@
       </p:pic>
       <p:sp>
         <p:nvSpPr>
-          <p:cNvPr id="145" name="Google Shape;145;p13"/>
+          <p:cNvPr id="156" name="Google Shape;156;p13"/>
           <p:cNvSpPr txBox="1"/>
           <p:nvPr/>
         </p:nvSpPr>
@@ -9606,12 +10076,12 @@
 </p:sld>
 </file>
 
-<file path=ppt/slides/slide14.xml><?xml version="1.0" encoding="utf-8"?>
+<file path=ppt/slides/slide16.xml><?xml version="1.0" encoding="utf-8"?>
 <p:sld xmlns:a="http://schemas.openxmlformats.org/drawingml/2006/main" xmlns:r="http://schemas.openxmlformats.org/officeDocument/2006/relationships" xmlns:mc="http://schemas.openxmlformats.org/markup-compatibility/2006" xmlns:mv="urn:schemas-microsoft-com:mac:vml" xmlns:p="http://schemas.openxmlformats.org/presentationml/2006/main" xmlns:c="http://schemas.openxmlformats.org/drawingml/2006/chart" xmlns:dgm="http://schemas.openxmlformats.org/drawingml/2006/diagram" xmlns:o="urn:schemas-microsoft-com:office:office" xmlns:v="urn:schemas-microsoft-com:vml" xmlns:pvml="urn:schemas-microsoft-com:office:powerpoint" xmlns:com="http://schemas.openxmlformats.org/drawingml/2006/compatibility" xmlns:p14="http://schemas.microsoft.com/office/powerpoint/2010/main" xmlns:p15="http://schemas.microsoft.com/office/powerpoint/2012/main" xmlns:ahyp="http://schemas.microsoft.com/office/drawing/2018/hyperlinkcolor">
   <p:cSld>
     <p:spTree>
       <p:nvGrpSpPr>
-        <p:cNvPr id="149" name="Shape 149"/>
+        <p:cNvPr id="160" name="Shape 160"/>
         <p:cNvGrpSpPr/>
         <p:nvPr/>
       </p:nvGrpSpPr>
@@ -9625,7 +10095,7 @@
       </p:grpSpPr>
       <p:sp>
         <p:nvSpPr>
-          <p:cNvPr id="150" name="Google Shape;150;p14"/>
+          <p:cNvPr id="161" name="Google Shape;161;p14"/>
           <p:cNvSpPr txBox="1"/>
           <p:nvPr/>
         </p:nvSpPr>
@@ -9699,7 +10169,7 @@
       </p:sp>
       <p:sp>
         <p:nvSpPr>
-          <p:cNvPr id="151" name="Google Shape;151;p14"/>
+          <p:cNvPr id="162" name="Google Shape;162;p14"/>
           <p:cNvSpPr txBox="1"/>
           <p:nvPr/>
         </p:nvSpPr>
@@ -9992,37 +10462,12 @@
 </p:sld>
 </file>
 
-<file path=ppt/slides/slide15.xml><?xml version="1.0" encoding="utf-8"?>
+<file path=ppt/slides/slide17.xml><?xml version="1.0" encoding="utf-8"?>
 <p:sld xmlns:a="http://schemas.openxmlformats.org/drawingml/2006/main" xmlns:r="http://schemas.openxmlformats.org/officeDocument/2006/relationships" xmlns:mc="http://schemas.openxmlformats.org/markup-compatibility/2006" xmlns:mv="urn:schemas-microsoft-com:mac:vml" xmlns:p="http://schemas.openxmlformats.org/presentationml/2006/main" xmlns:c="http://schemas.openxmlformats.org/drawingml/2006/chart" xmlns:dgm="http://schemas.openxmlformats.org/drawingml/2006/diagram" xmlns:o="urn:schemas-microsoft-com:office:office" xmlns:v="urn:schemas-microsoft-com:vml" xmlns:pvml="urn:schemas-microsoft-com:office:powerpoint" xmlns:com="http://schemas.openxmlformats.org/drawingml/2006/compatibility" xmlns:p14="http://schemas.microsoft.com/office/powerpoint/2010/main" xmlns:p15="http://schemas.microsoft.com/office/powerpoint/2012/main" xmlns:ahyp="http://schemas.microsoft.com/office/drawing/2018/hyperlinkcolor">
   <p:cSld>
     <p:spTree>
       <p:nvGrpSpPr>
-        <p:cNvPr id="155" name="Shape 155"/>
-        <p:cNvGrpSpPr/>
-        <p:nvPr/>
-      </p:nvGrpSpPr>
-      <p:grpSpPr>
-        <a:xfrm>
-          <a:off x="0" y="0"/>
-          <a:ext cx="0" cy="0"/>
-          <a:chOff x="0" y="0"/>
-          <a:chExt cx="0" cy="0"/>
-        </a:xfrm>
-      </p:grpSpPr>
-    </p:spTree>
-  </p:cSld>
-  <p:clrMapOvr>
-    <a:masterClrMapping/>
-  </p:clrMapOvr>
-</p:sld>
-</file>
-
-<file path=ppt/slides/slide16.xml><?xml version="1.0" encoding="utf-8"?>
-<p:sld xmlns:a="http://schemas.openxmlformats.org/drawingml/2006/main" xmlns:r="http://schemas.openxmlformats.org/officeDocument/2006/relationships" xmlns:mc="http://schemas.openxmlformats.org/markup-compatibility/2006" xmlns:mv="urn:schemas-microsoft-com:mac:vml" xmlns:p="http://schemas.openxmlformats.org/presentationml/2006/main" xmlns:c="http://schemas.openxmlformats.org/drawingml/2006/chart" xmlns:dgm="http://schemas.openxmlformats.org/drawingml/2006/diagram" xmlns:o="urn:schemas-microsoft-com:office:office" xmlns:v="urn:schemas-microsoft-com:vml" xmlns:pvml="urn:schemas-microsoft-com:office:powerpoint" xmlns:com="http://schemas.openxmlformats.org/drawingml/2006/compatibility" xmlns:p14="http://schemas.microsoft.com/office/powerpoint/2010/main" xmlns:p15="http://schemas.microsoft.com/office/powerpoint/2012/main" xmlns:ahyp="http://schemas.microsoft.com/office/drawing/2018/hyperlinkcolor">
-  <p:cSld>
-    <p:spTree>
-      <p:nvGrpSpPr>
-        <p:cNvPr id="159" name="Shape 159"/>
+        <p:cNvPr id="166" name="Shape 166"/>
         <p:cNvGrpSpPr/>
         <p:nvPr/>
       </p:nvGrpSpPr>
@@ -10036,7 +10481,7 @@
       </p:grpSpPr>
       <p:sp>
         <p:nvSpPr>
-          <p:cNvPr id="160" name="Google Shape;160;p17"/>
+          <p:cNvPr id="167" name="Google Shape;167;p17"/>
           <p:cNvSpPr txBox="1"/>
           <p:nvPr/>
         </p:nvSpPr>
@@ -10086,14 +10531,14 @@
       </p:sp>
       <p:sp>
         <p:nvSpPr>
-          <p:cNvPr id="161" name="Google Shape;161;p17"/>
+          <p:cNvPr id="168" name="Google Shape;168;p17"/>
           <p:cNvSpPr txBox="1"/>
           <p:nvPr/>
         </p:nvSpPr>
         <p:spPr>
           <a:xfrm>
             <a:off x="609600" y="1524000"/>
-            <a:ext cx="5181600" cy="1477328"/>
+            <a:ext cx="5181600" cy="1554600"/>
           </a:xfrm>
           <a:prstGeom prst="rect">
             <a:avLst/>
@@ -10133,9 +10578,21 @@
                 <a:cs typeface="Calibri"/>
                 <a:sym typeface="Calibri"/>
               </a:rPr>
-              <a:t>Intensify public awareness compaigns, especially those aimed at men.</a:t>
+              <a:t>I</a:t>
             </a:r>
-            <a:endParaRPr/>
+            <a:r>
+              <a:rPr lang="en-US" sz="1900">
+                <a:solidFill>
+                  <a:schemeClr val="dk1"/>
+                </a:solidFill>
+                <a:latin typeface="Calibri"/>
+                <a:ea typeface="Calibri"/>
+                <a:cs typeface="Calibri"/>
+                <a:sym typeface="Calibri"/>
+              </a:rPr>
+              <a:t>ntensify public awareness compaigns, especially those aimed at men.</a:t>
+            </a:r>
+            <a:endParaRPr sz="1500"/>
           </a:p>
           <a:p>
             <a:pPr indent="-171450" lvl="0" marL="285750" marR="0" rtl="0" algn="l">
@@ -10155,7 +10612,7 @@
             <a:r>
               <a:t/>
             </a:r>
-            <a:endParaRPr sz="1800">
+            <a:endParaRPr sz="1900">
               <a:solidFill>
                 <a:schemeClr val="dk1"/>
               </a:solidFill>
@@ -10166,7 +10623,7 @@
             </a:endParaRPr>
           </a:p>
           <a:p>
-            <a:pPr indent="-285750" lvl="0" marL="285750" marR="0" rtl="0" algn="l">
+            <a:pPr indent="-292100" lvl="0" marL="285750" marR="0" rtl="0" algn="l">
               <a:spcBef>
                 <a:spcPts val="0"/>
               </a:spcBef>
@@ -10176,12 +10633,12 @@
               <a:buClr>
                 <a:schemeClr val="dk1"/>
               </a:buClr>
-              <a:buSzPts val="1800"/>
+              <a:buSzPts val="1900"/>
               <a:buFont typeface="Noto Sans Symbols"/>
               <a:buChar char="▪"/>
             </a:pPr>
             <a:r>
-              <a:rPr lang="en-US" sz="1800">
+              <a:rPr lang="en-US" sz="1900">
                 <a:solidFill>
                   <a:schemeClr val="dk1"/>
                 </a:solidFill>
@@ -10192,7 +10649,7 @@
               </a:rPr>
               <a:t>Enjure that justice systems continue to prosecute perpetrators</a:t>
             </a:r>
-            <a:endParaRPr/>
+            <a:endParaRPr sz="1500"/>
           </a:p>
         </p:txBody>
       </p:sp>
@@ -10204,12 +10661,12 @@
 </p:sld>
 </file>
 
-<file path=ppt/slides/slide17.xml><?xml version="1.0" encoding="utf-8"?>
+<file path=ppt/slides/slide18.xml><?xml version="1.0" encoding="utf-8"?>
 <p:sld xmlns:a="http://schemas.openxmlformats.org/drawingml/2006/main" xmlns:r="http://schemas.openxmlformats.org/officeDocument/2006/relationships" xmlns:mc="http://schemas.openxmlformats.org/markup-compatibility/2006" xmlns:mv="urn:schemas-microsoft-com:mac:vml" xmlns:p="http://schemas.openxmlformats.org/presentationml/2006/main" xmlns:c="http://schemas.openxmlformats.org/drawingml/2006/chart" xmlns:dgm="http://schemas.openxmlformats.org/drawingml/2006/diagram" xmlns:o="urn:schemas-microsoft-com:office:office" xmlns:v="urn:schemas-microsoft-com:vml" xmlns:pvml="urn:schemas-microsoft-com:office:powerpoint" xmlns:com="http://schemas.openxmlformats.org/drawingml/2006/compatibility" xmlns:p14="http://schemas.microsoft.com/office/powerpoint/2010/main" xmlns:p15="http://schemas.microsoft.com/office/powerpoint/2012/main" xmlns:ahyp="http://schemas.microsoft.com/office/drawing/2018/hyperlinkcolor">
   <p:cSld>
     <p:spTree>
       <p:nvGrpSpPr>
-        <p:cNvPr id="165" name="Shape 165"/>
+        <p:cNvPr id="172" name="Shape 172"/>
         <p:cNvGrpSpPr/>
         <p:nvPr/>
       </p:nvGrpSpPr>
@@ -10223,7 +10680,7 @@
       </p:grpSpPr>
       <p:sp>
         <p:nvSpPr>
-          <p:cNvPr id="166" name="Google Shape;166;p18"/>
+          <p:cNvPr id="173" name="Google Shape;173;p18"/>
           <p:cNvSpPr/>
           <p:nvPr/>
         </p:nvSpPr>
@@ -10273,7 +10730,7 @@
       </p:sp>
       <p:sp>
         <p:nvSpPr>
-          <p:cNvPr id="167" name="Google Shape;167;p18"/>
+          <p:cNvPr id="174" name="Google Shape;174;p18"/>
           <p:cNvSpPr/>
           <p:nvPr/>
         </p:nvSpPr>
@@ -10425,12 +10882,12 @@
 </p:sld>
 </file>
 
-<file path=ppt/slides/slide18.xml><?xml version="1.0" encoding="utf-8"?>
+<file path=ppt/slides/slide19.xml><?xml version="1.0" encoding="utf-8"?>
 <p:sld xmlns:a="http://schemas.openxmlformats.org/drawingml/2006/main" xmlns:r="http://schemas.openxmlformats.org/officeDocument/2006/relationships" xmlns:mc="http://schemas.openxmlformats.org/markup-compatibility/2006" xmlns:mv="urn:schemas-microsoft-com:mac:vml" xmlns:p="http://schemas.openxmlformats.org/presentationml/2006/main" xmlns:c="http://schemas.openxmlformats.org/drawingml/2006/chart" xmlns:dgm="http://schemas.openxmlformats.org/drawingml/2006/diagram" xmlns:o="urn:schemas-microsoft-com:office:office" xmlns:v="urn:schemas-microsoft-com:vml" xmlns:pvml="urn:schemas-microsoft-com:office:powerpoint" xmlns:com="http://schemas.openxmlformats.org/drawingml/2006/compatibility" xmlns:p14="http://schemas.microsoft.com/office/powerpoint/2010/main" xmlns:p15="http://schemas.microsoft.com/office/powerpoint/2012/main" xmlns:ahyp="http://schemas.microsoft.com/office/drawing/2018/hyperlinkcolor">
   <p:cSld>
     <p:spTree>
       <p:nvGrpSpPr>
-        <p:cNvPr id="171" name="Shape 171"/>
+        <p:cNvPr id="178" name="Shape 178"/>
         <p:cNvGrpSpPr/>
         <p:nvPr/>
       </p:nvGrpSpPr>
@@ -10444,7 +10901,7 @@
       </p:grpSpPr>
       <p:sp>
         <p:nvSpPr>
-          <p:cNvPr id="172" name="Google Shape;172;p21"/>
+          <p:cNvPr id="179" name="Google Shape;179;p21"/>
           <p:cNvSpPr txBox="1"/>
           <p:nvPr/>
         </p:nvSpPr>
@@ -10494,7 +10951,7 @@
       </p:sp>
       <p:sp>
         <p:nvSpPr>
-          <p:cNvPr id="173" name="Google Shape;173;p21"/>
+          <p:cNvPr id="180" name="Google Shape;180;p21"/>
           <p:cNvSpPr txBox="1"/>
           <p:nvPr/>
         </p:nvSpPr>
@@ -10578,382 +11035,6 @@
               <a:cs typeface="Calibri"/>
               <a:sym typeface="Calibri"/>
             </a:endParaRPr>
-          </a:p>
-        </p:txBody>
-      </p:sp>
-    </p:spTree>
-  </p:cSld>
-  <p:clrMapOvr>
-    <a:masterClrMapping/>
-  </p:clrMapOvr>
-</p:sld>
-</file>
-
-<file path=ppt/slides/slide19.xml><?xml version="1.0" encoding="utf-8"?>
-<p:sld xmlns:a="http://schemas.openxmlformats.org/drawingml/2006/main" xmlns:r="http://schemas.openxmlformats.org/officeDocument/2006/relationships" xmlns:mc="http://schemas.openxmlformats.org/markup-compatibility/2006" xmlns:mv="urn:schemas-microsoft-com:mac:vml" xmlns:p="http://schemas.openxmlformats.org/presentationml/2006/main" xmlns:c="http://schemas.openxmlformats.org/drawingml/2006/chart" xmlns:dgm="http://schemas.openxmlformats.org/drawingml/2006/diagram" xmlns:o="urn:schemas-microsoft-com:office:office" xmlns:v="urn:schemas-microsoft-com:vml" xmlns:pvml="urn:schemas-microsoft-com:office:powerpoint" xmlns:com="http://schemas.openxmlformats.org/drawingml/2006/compatibility" xmlns:p14="http://schemas.microsoft.com/office/powerpoint/2010/main" xmlns:p15="http://schemas.microsoft.com/office/powerpoint/2012/main" xmlns:ahyp="http://schemas.microsoft.com/office/drawing/2018/hyperlinkcolor">
-  <p:cSld>
-    <p:spTree>
-      <p:nvGrpSpPr>
-        <p:cNvPr id="177" name="Shape 177"/>
-        <p:cNvGrpSpPr/>
-        <p:nvPr/>
-      </p:nvGrpSpPr>
-      <p:grpSpPr>
-        <a:xfrm>
-          <a:off x="0" y="0"/>
-          <a:ext cx="0" cy="0"/>
-          <a:chOff x="0" y="0"/>
-          <a:chExt cx="0" cy="0"/>
-        </a:xfrm>
-      </p:grpSpPr>
-      <p:sp>
-        <p:nvSpPr>
-          <p:cNvPr id="178" name="Google Shape;178;p22"/>
-          <p:cNvSpPr txBox="1"/>
-          <p:nvPr/>
-        </p:nvSpPr>
-        <p:spPr>
-          <a:xfrm>
-            <a:off x="609600" y="914400"/>
-            <a:ext cx="9448800" cy="769441"/>
-          </a:xfrm>
-          <a:prstGeom prst="rect">
-            <a:avLst/>
-          </a:prstGeom>
-          <a:noFill/>
-          <a:ln>
-            <a:noFill/>
-          </a:ln>
-        </p:spPr>
-        <p:txBody>
-          <a:bodyPr anchorCtr="0" anchor="t" bIns="45700" lIns="91425" spcFirstLastPara="1" rIns="91425" wrap="square" tIns="45700">
-            <a:spAutoFit/>
-          </a:bodyPr>
-          <a:lstStyle/>
-          <a:p>
-            <a:pPr indent="0" lvl="0" marL="0" marR="0" rtl="0" algn="ctr">
-              <a:spcBef>
-                <a:spcPts val="0"/>
-              </a:spcBef>
-              <a:spcAft>
-                <a:spcPts val="0"/>
-              </a:spcAft>
-              <a:buNone/>
-            </a:pPr>
-            <a:r>
-              <a:rPr lang="en-US" sz="4400">
-                <a:solidFill>
-                  <a:schemeClr val="dk1"/>
-                </a:solidFill>
-                <a:latin typeface="Calibri"/>
-                <a:ea typeface="Calibri"/>
-                <a:cs typeface="Calibri"/>
-                <a:sym typeface="Calibri"/>
-              </a:rPr>
-              <a:t>Thénéus Ketenie Flore</a:t>
-            </a:r>
-            <a:endParaRPr/>
-          </a:p>
-        </p:txBody>
-      </p:sp>
-      <p:sp>
-        <p:nvSpPr>
-          <p:cNvPr id="179" name="Google Shape;179;p22"/>
-          <p:cNvSpPr txBox="1"/>
-          <p:nvPr/>
-        </p:nvSpPr>
-        <p:spPr>
-          <a:xfrm>
-            <a:off x="3124200" y="2133600"/>
-            <a:ext cx="5486400" cy="1200329"/>
-          </a:xfrm>
-          <a:prstGeom prst="rect">
-            <a:avLst/>
-          </a:prstGeom>
-          <a:noFill/>
-          <a:ln>
-            <a:noFill/>
-          </a:ln>
-        </p:spPr>
-        <p:txBody>
-          <a:bodyPr anchorCtr="0" anchor="t" bIns="45700" lIns="91425" spcFirstLastPara="1" rIns="91425" wrap="square" tIns="45700">
-            <a:spAutoFit/>
-          </a:bodyPr>
-          <a:lstStyle/>
-          <a:p>
-            <a:pPr indent="0" lvl="0" marL="0" marR="0" rtl="0" algn="ctr">
-              <a:spcBef>
-                <a:spcPts val="0"/>
-              </a:spcBef>
-              <a:spcAft>
-                <a:spcPts val="0"/>
-              </a:spcAft>
-              <a:buNone/>
-            </a:pPr>
-            <a:r>
-              <a:rPr lang="en-US" sz="2400">
-                <a:solidFill>
-                  <a:schemeClr val="dk1"/>
-                </a:solidFill>
-                <a:latin typeface="Calibri"/>
-                <a:ea typeface="Calibri"/>
-                <a:cs typeface="Calibri"/>
-                <a:sym typeface="Calibri"/>
-              </a:rPr>
-              <a:t>Manager to be</a:t>
-            </a:r>
-            <a:endParaRPr/>
-          </a:p>
-          <a:p>
-            <a:pPr indent="0" lvl="0" marL="0" marR="0" rtl="0" algn="ctr">
-              <a:spcBef>
-                <a:spcPts val="0"/>
-              </a:spcBef>
-              <a:spcAft>
-                <a:spcPts val="0"/>
-              </a:spcAft>
-              <a:buNone/>
-            </a:pPr>
-            <a:r>
-              <a:t/>
-            </a:r>
-            <a:endParaRPr sz="2400">
-              <a:solidFill>
-                <a:schemeClr val="dk1"/>
-              </a:solidFill>
-              <a:latin typeface="Calibri"/>
-              <a:ea typeface="Calibri"/>
-              <a:cs typeface="Calibri"/>
-              <a:sym typeface="Calibri"/>
-            </a:endParaRPr>
-          </a:p>
-          <a:p>
-            <a:pPr indent="0" lvl="0" marL="0" marR="0" rtl="0" algn="ctr">
-              <a:spcBef>
-                <a:spcPts val="0"/>
-              </a:spcBef>
-              <a:spcAft>
-                <a:spcPts val="0"/>
-              </a:spcAft>
-              <a:buNone/>
-            </a:pPr>
-            <a:r>
-              <a:rPr lang="en-US" sz="2400">
-                <a:solidFill>
-                  <a:schemeClr val="dk1"/>
-                </a:solidFill>
-                <a:latin typeface="Calibri"/>
-                <a:ea typeface="Calibri"/>
-                <a:cs typeface="Calibri"/>
-                <a:sym typeface="Calibri"/>
-              </a:rPr>
-              <a:t>Data Analayst to be</a:t>
-            </a:r>
-            <a:endParaRPr/>
-          </a:p>
-        </p:txBody>
-      </p:sp>
-      <p:pic>
-        <p:nvPicPr>
-          <p:cNvPr id="180" name="Google Shape;180;p22"/>
-          <p:cNvPicPr preferRelativeResize="0"/>
-          <p:nvPr/>
-        </p:nvPicPr>
-        <p:blipFill rotWithShape="1">
-          <a:blip r:embed="rId3">
-            <a:alphaModFix/>
-          </a:blip>
-          <a:srcRect b="0" l="0" r="0" t="0"/>
-          <a:stretch/>
-        </p:blipFill>
-        <p:spPr>
-          <a:xfrm>
-            <a:off x="3140765" y="4282440"/>
-            <a:ext cx="483108" cy="365760"/>
-          </a:xfrm>
-          <a:prstGeom prst="rect">
-            <a:avLst/>
-          </a:prstGeom>
-          <a:noFill/>
-          <a:ln>
-            <a:noFill/>
-          </a:ln>
-        </p:spPr>
-      </p:pic>
-      <p:sp>
-        <p:nvSpPr>
-          <p:cNvPr id="181" name="Google Shape;181;p22"/>
-          <p:cNvSpPr txBox="1"/>
-          <p:nvPr/>
-        </p:nvSpPr>
-        <p:spPr>
-          <a:xfrm>
-            <a:off x="4038600" y="4282440"/>
-            <a:ext cx="5638800" cy="365760"/>
-          </a:xfrm>
-          <a:prstGeom prst="rect">
-            <a:avLst/>
-          </a:prstGeom>
-          <a:noFill/>
-          <a:ln>
-            <a:noFill/>
-          </a:ln>
-        </p:spPr>
-        <p:txBody>
-          <a:bodyPr anchorCtr="0" anchor="t" bIns="45700" lIns="91425" spcFirstLastPara="1" rIns="91425" wrap="square" tIns="45700">
-            <a:spAutoFit/>
-          </a:bodyPr>
-          <a:lstStyle/>
-          <a:p>
-            <a:pPr indent="0" lvl="0" marL="0" marR="0" rtl="0" algn="l">
-              <a:spcBef>
-                <a:spcPts val="0"/>
-              </a:spcBef>
-              <a:spcAft>
-                <a:spcPts val="0"/>
-              </a:spcAft>
-              <a:buNone/>
-            </a:pPr>
-            <a:r>
-              <a:rPr lang="en-US" sz="1800">
-                <a:solidFill>
-                  <a:schemeClr val="dk1"/>
-                </a:solidFill>
-                <a:latin typeface="Calibri"/>
-                <a:ea typeface="Calibri"/>
-                <a:cs typeface="Calibri"/>
-                <a:sym typeface="Calibri"/>
-              </a:rPr>
-              <a:t>ketteniefloretheneus@gmail.com</a:t>
-            </a:r>
-            <a:endParaRPr/>
-          </a:p>
-        </p:txBody>
-      </p:sp>
-      <p:pic>
-        <p:nvPicPr>
-          <p:cNvPr id="182" name="Google Shape;182;p22"/>
-          <p:cNvPicPr preferRelativeResize="0"/>
-          <p:nvPr/>
-        </p:nvPicPr>
-        <p:blipFill rotWithShape="1">
-          <a:blip r:embed="rId4">
-            <a:alphaModFix/>
-          </a:blip>
-          <a:srcRect b="0" l="0" r="0" t="0"/>
-          <a:stretch/>
-        </p:blipFill>
-        <p:spPr>
-          <a:xfrm>
-            <a:off x="3057326" y="4887087"/>
-            <a:ext cx="649986" cy="649986"/>
-          </a:xfrm>
-          <a:prstGeom prst="rect">
-            <a:avLst/>
-          </a:prstGeom>
-          <a:noFill/>
-          <a:ln>
-            <a:noFill/>
-          </a:ln>
-        </p:spPr>
-      </p:pic>
-      <p:sp>
-        <p:nvSpPr>
-          <p:cNvPr id="183" name="Google Shape;183;p22"/>
-          <p:cNvSpPr txBox="1"/>
-          <p:nvPr/>
-        </p:nvSpPr>
-        <p:spPr>
-          <a:xfrm>
-            <a:off x="4038600" y="5105400"/>
-            <a:ext cx="3505200" cy="369300"/>
-          </a:xfrm>
-          <a:prstGeom prst="rect">
-            <a:avLst/>
-          </a:prstGeom>
-          <a:noFill/>
-          <a:ln>
-            <a:noFill/>
-          </a:ln>
-        </p:spPr>
-        <p:txBody>
-          <a:bodyPr anchorCtr="0" anchor="t" bIns="45700" lIns="91425" spcFirstLastPara="1" rIns="91425" wrap="square" tIns="45700">
-            <a:spAutoFit/>
-          </a:bodyPr>
-          <a:lstStyle/>
-          <a:p>
-            <a:pPr indent="0" lvl="0" marL="0" marR="0" rtl="0" algn="l">
-              <a:spcBef>
-                <a:spcPts val="0"/>
-              </a:spcBef>
-              <a:spcAft>
-                <a:spcPts val="0"/>
-              </a:spcAft>
-              <a:buNone/>
-            </a:pPr>
-            <a:r>
-              <a:rPr lang="en-US" sz="1800">
-                <a:solidFill>
-                  <a:schemeClr val="dk1"/>
-                </a:solidFill>
-                <a:latin typeface="Calibri"/>
-                <a:ea typeface="Calibri"/>
-                <a:cs typeface="Calibri"/>
-                <a:sym typeface="Calibri"/>
-              </a:rPr>
-              <a:t>+509 36299266\ 43766153</a:t>
-            </a:r>
-            <a:endParaRPr/>
-          </a:p>
-        </p:txBody>
-      </p:sp>
-      <p:sp>
-        <p:nvSpPr>
-          <p:cNvPr id="184" name="Google Shape;184;p22"/>
-          <p:cNvSpPr txBox="1"/>
-          <p:nvPr/>
-        </p:nvSpPr>
-        <p:spPr>
-          <a:xfrm>
-            <a:off x="4495800" y="6019800"/>
-            <a:ext cx="4876800" cy="584775"/>
-          </a:xfrm>
-          <a:prstGeom prst="rect">
-            <a:avLst/>
-          </a:prstGeom>
-          <a:noFill/>
-          <a:ln>
-            <a:noFill/>
-          </a:ln>
-        </p:spPr>
-        <p:txBody>
-          <a:bodyPr anchorCtr="0" anchor="t" bIns="45700" lIns="91425" spcFirstLastPara="1" rIns="91425" wrap="square" tIns="45700">
-            <a:spAutoFit/>
-          </a:bodyPr>
-          <a:lstStyle/>
-          <a:p>
-            <a:pPr indent="0" lvl="0" marL="0" marR="0" rtl="0" algn="l">
-              <a:spcBef>
-                <a:spcPts val="0"/>
-              </a:spcBef>
-              <a:spcAft>
-                <a:spcPts val="0"/>
-              </a:spcAft>
-              <a:buNone/>
-            </a:pPr>
-            <a:r>
-              <a:rPr b="1" lang="en-US" sz="3200">
-                <a:solidFill>
-                  <a:schemeClr val="dk1"/>
-                </a:solidFill>
-                <a:latin typeface="Calibri"/>
-                <a:ea typeface="Calibri"/>
-                <a:cs typeface="Calibri"/>
-                <a:sym typeface="Calibri"/>
-              </a:rPr>
-              <a:t>Thank you!</a:t>
-            </a:r>
-            <a:endParaRPr/>
           </a:p>
         </p:txBody>
       </p:sp>
@@ -11165,6 +11246,382 @@
           </a:ln>
         </p:spPr>
       </p:pic>
+    </p:spTree>
+  </p:cSld>
+  <p:clrMapOvr>
+    <a:masterClrMapping/>
+  </p:clrMapOvr>
+</p:sld>
+</file>
+
+<file path=ppt/slides/slide20.xml><?xml version="1.0" encoding="utf-8"?>
+<p:sld xmlns:a="http://schemas.openxmlformats.org/drawingml/2006/main" xmlns:r="http://schemas.openxmlformats.org/officeDocument/2006/relationships" xmlns:mc="http://schemas.openxmlformats.org/markup-compatibility/2006" xmlns:mv="urn:schemas-microsoft-com:mac:vml" xmlns:p="http://schemas.openxmlformats.org/presentationml/2006/main" xmlns:c="http://schemas.openxmlformats.org/drawingml/2006/chart" xmlns:dgm="http://schemas.openxmlformats.org/drawingml/2006/diagram" xmlns:o="urn:schemas-microsoft-com:office:office" xmlns:v="urn:schemas-microsoft-com:vml" xmlns:pvml="urn:schemas-microsoft-com:office:powerpoint" xmlns:com="http://schemas.openxmlformats.org/drawingml/2006/compatibility" xmlns:p14="http://schemas.microsoft.com/office/powerpoint/2010/main" xmlns:p15="http://schemas.microsoft.com/office/powerpoint/2012/main" xmlns:ahyp="http://schemas.microsoft.com/office/drawing/2018/hyperlinkcolor">
+  <p:cSld>
+    <p:spTree>
+      <p:nvGrpSpPr>
+        <p:cNvPr id="184" name="Shape 184"/>
+        <p:cNvGrpSpPr/>
+        <p:nvPr/>
+      </p:nvGrpSpPr>
+      <p:grpSpPr>
+        <a:xfrm>
+          <a:off x="0" y="0"/>
+          <a:ext cx="0" cy="0"/>
+          <a:chOff x="0" y="0"/>
+          <a:chExt cx="0" cy="0"/>
+        </a:xfrm>
+      </p:grpSpPr>
+      <p:sp>
+        <p:nvSpPr>
+          <p:cNvPr id="185" name="Google Shape;185;p22"/>
+          <p:cNvSpPr txBox="1"/>
+          <p:nvPr/>
+        </p:nvSpPr>
+        <p:spPr>
+          <a:xfrm>
+            <a:off x="609600" y="914400"/>
+            <a:ext cx="9448800" cy="769441"/>
+          </a:xfrm>
+          <a:prstGeom prst="rect">
+            <a:avLst/>
+          </a:prstGeom>
+          <a:noFill/>
+          <a:ln>
+            <a:noFill/>
+          </a:ln>
+        </p:spPr>
+        <p:txBody>
+          <a:bodyPr anchorCtr="0" anchor="t" bIns="45700" lIns="91425" spcFirstLastPara="1" rIns="91425" wrap="square" tIns="45700">
+            <a:spAutoFit/>
+          </a:bodyPr>
+          <a:lstStyle/>
+          <a:p>
+            <a:pPr indent="0" lvl="0" marL="0" marR="0" rtl="0" algn="ctr">
+              <a:spcBef>
+                <a:spcPts val="0"/>
+              </a:spcBef>
+              <a:spcAft>
+                <a:spcPts val="0"/>
+              </a:spcAft>
+              <a:buNone/>
+            </a:pPr>
+            <a:r>
+              <a:rPr lang="en-US" sz="4400">
+                <a:solidFill>
+                  <a:schemeClr val="dk1"/>
+                </a:solidFill>
+                <a:latin typeface="Calibri"/>
+                <a:ea typeface="Calibri"/>
+                <a:cs typeface="Calibri"/>
+                <a:sym typeface="Calibri"/>
+              </a:rPr>
+              <a:t>Thénéus Ketenie Flore</a:t>
+            </a:r>
+            <a:endParaRPr/>
+          </a:p>
+        </p:txBody>
+      </p:sp>
+      <p:sp>
+        <p:nvSpPr>
+          <p:cNvPr id="186" name="Google Shape;186;p22"/>
+          <p:cNvSpPr txBox="1"/>
+          <p:nvPr/>
+        </p:nvSpPr>
+        <p:spPr>
+          <a:xfrm>
+            <a:off x="3124200" y="2133600"/>
+            <a:ext cx="5486400" cy="1200329"/>
+          </a:xfrm>
+          <a:prstGeom prst="rect">
+            <a:avLst/>
+          </a:prstGeom>
+          <a:noFill/>
+          <a:ln>
+            <a:noFill/>
+          </a:ln>
+        </p:spPr>
+        <p:txBody>
+          <a:bodyPr anchorCtr="0" anchor="t" bIns="45700" lIns="91425" spcFirstLastPara="1" rIns="91425" wrap="square" tIns="45700">
+            <a:spAutoFit/>
+          </a:bodyPr>
+          <a:lstStyle/>
+          <a:p>
+            <a:pPr indent="0" lvl="0" marL="0" marR="0" rtl="0" algn="ctr">
+              <a:spcBef>
+                <a:spcPts val="0"/>
+              </a:spcBef>
+              <a:spcAft>
+                <a:spcPts val="0"/>
+              </a:spcAft>
+              <a:buNone/>
+            </a:pPr>
+            <a:r>
+              <a:rPr lang="en-US" sz="2400">
+                <a:solidFill>
+                  <a:schemeClr val="dk1"/>
+                </a:solidFill>
+                <a:latin typeface="Calibri"/>
+                <a:ea typeface="Calibri"/>
+                <a:cs typeface="Calibri"/>
+                <a:sym typeface="Calibri"/>
+              </a:rPr>
+              <a:t>Manager to be</a:t>
+            </a:r>
+            <a:endParaRPr/>
+          </a:p>
+          <a:p>
+            <a:pPr indent="0" lvl="0" marL="0" marR="0" rtl="0" algn="ctr">
+              <a:spcBef>
+                <a:spcPts val="0"/>
+              </a:spcBef>
+              <a:spcAft>
+                <a:spcPts val="0"/>
+              </a:spcAft>
+              <a:buNone/>
+            </a:pPr>
+            <a:r>
+              <a:t/>
+            </a:r>
+            <a:endParaRPr sz="2400">
+              <a:solidFill>
+                <a:schemeClr val="dk1"/>
+              </a:solidFill>
+              <a:latin typeface="Calibri"/>
+              <a:ea typeface="Calibri"/>
+              <a:cs typeface="Calibri"/>
+              <a:sym typeface="Calibri"/>
+            </a:endParaRPr>
+          </a:p>
+          <a:p>
+            <a:pPr indent="0" lvl="0" marL="0" marR="0" rtl="0" algn="ctr">
+              <a:spcBef>
+                <a:spcPts val="0"/>
+              </a:spcBef>
+              <a:spcAft>
+                <a:spcPts val="0"/>
+              </a:spcAft>
+              <a:buNone/>
+            </a:pPr>
+            <a:r>
+              <a:rPr lang="en-US" sz="2400">
+                <a:solidFill>
+                  <a:schemeClr val="dk1"/>
+                </a:solidFill>
+                <a:latin typeface="Calibri"/>
+                <a:ea typeface="Calibri"/>
+                <a:cs typeface="Calibri"/>
+                <a:sym typeface="Calibri"/>
+              </a:rPr>
+              <a:t>Data Analayst to be</a:t>
+            </a:r>
+            <a:endParaRPr/>
+          </a:p>
+        </p:txBody>
+      </p:sp>
+      <p:pic>
+        <p:nvPicPr>
+          <p:cNvPr id="187" name="Google Shape;187;p22"/>
+          <p:cNvPicPr preferRelativeResize="0"/>
+          <p:nvPr/>
+        </p:nvPicPr>
+        <p:blipFill rotWithShape="1">
+          <a:blip r:embed="rId3">
+            <a:alphaModFix/>
+          </a:blip>
+          <a:srcRect b="0" l="0" r="0" t="0"/>
+          <a:stretch/>
+        </p:blipFill>
+        <p:spPr>
+          <a:xfrm>
+            <a:off x="3140765" y="4282440"/>
+            <a:ext cx="483108" cy="365760"/>
+          </a:xfrm>
+          <a:prstGeom prst="rect">
+            <a:avLst/>
+          </a:prstGeom>
+          <a:noFill/>
+          <a:ln>
+            <a:noFill/>
+          </a:ln>
+        </p:spPr>
+      </p:pic>
+      <p:sp>
+        <p:nvSpPr>
+          <p:cNvPr id="188" name="Google Shape;188;p22"/>
+          <p:cNvSpPr txBox="1"/>
+          <p:nvPr/>
+        </p:nvSpPr>
+        <p:spPr>
+          <a:xfrm>
+            <a:off x="4038600" y="4282440"/>
+            <a:ext cx="5638800" cy="365760"/>
+          </a:xfrm>
+          <a:prstGeom prst="rect">
+            <a:avLst/>
+          </a:prstGeom>
+          <a:noFill/>
+          <a:ln>
+            <a:noFill/>
+          </a:ln>
+        </p:spPr>
+        <p:txBody>
+          <a:bodyPr anchorCtr="0" anchor="t" bIns="45700" lIns="91425" spcFirstLastPara="1" rIns="91425" wrap="square" tIns="45700">
+            <a:spAutoFit/>
+          </a:bodyPr>
+          <a:lstStyle/>
+          <a:p>
+            <a:pPr indent="0" lvl="0" marL="0" marR="0" rtl="0" algn="l">
+              <a:spcBef>
+                <a:spcPts val="0"/>
+              </a:spcBef>
+              <a:spcAft>
+                <a:spcPts val="0"/>
+              </a:spcAft>
+              <a:buNone/>
+            </a:pPr>
+            <a:r>
+              <a:rPr lang="en-US" sz="1800">
+                <a:solidFill>
+                  <a:schemeClr val="dk1"/>
+                </a:solidFill>
+                <a:latin typeface="Calibri"/>
+                <a:ea typeface="Calibri"/>
+                <a:cs typeface="Calibri"/>
+                <a:sym typeface="Calibri"/>
+              </a:rPr>
+              <a:t>ketteniefloretheneus@gmail.com</a:t>
+            </a:r>
+            <a:endParaRPr/>
+          </a:p>
+        </p:txBody>
+      </p:sp>
+      <p:pic>
+        <p:nvPicPr>
+          <p:cNvPr id="189" name="Google Shape;189;p22"/>
+          <p:cNvPicPr preferRelativeResize="0"/>
+          <p:nvPr/>
+        </p:nvPicPr>
+        <p:blipFill rotWithShape="1">
+          <a:blip r:embed="rId4">
+            <a:alphaModFix/>
+          </a:blip>
+          <a:srcRect b="0" l="0" r="0" t="0"/>
+          <a:stretch/>
+        </p:blipFill>
+        <p:spPr>
+          <a:xfrm>
+            <a:off x="3057326" y="4887087"/>
+            <a:ext cx="649986" cy="649986"/>
+          </a:xfrm>
+          <a:prstGeom prst="rect">
+            <a:avLst/>
+          </a:prstGeom>
+          <a:noFill/>
+          <a:ln>
+            <a:noFill/>
+          </a:ln>
+        </p:spPr>
+      </p:pic>
+      <p:sp>
+        <p:nvSpPr>
+          <p:cNvPr id="190" name="Google Shape;190;p22"/>
+          <p:cNvSpPr txBox="1"/>
+          <p:nvPr/>
+        </p:nvSpPr>
+        <p:spPr>
+          <a:xfrm>
+            <a:off x="4038600" y="5105400"/>
+            <a:ext cx="3505200" cy="369300"/>
+          </a:xfrm>
+          <a:prstGeom prst="rect">
+            <a:avLst/>
+          </a:prstGeom>
+          <a:noFill/>
+          <a:ln>
+            <a:noFill/>
+          </a:ln>
+        </p:spPr>
+        <p:txBody>
+          <a:bodyPr anchorCtr="0" anchor="t" bIns="45700" lIns="91425" spcFirstLastPara="1" rIns="91425" wrap="square" tIns="45700">
+            <a:spAutoFit/>
+          </a:bodyPr>
+          <a:lstStyle/>
+          <a:p>
+            <a:pPr indent="0" lvl="0" marL="0" marR="0" rtl="0" algn="l">
+              <a:spcBef>
+                <a:spcPts val="0"/>
+              </a:spcBef>
+              <a:spcAft>
+                <a:spcPts val="0"/>
+              </a:spcAft>
+              <a:buNone/>
+            </a:pPr>
+            <a:r>
+              <a:rPr lang="en-US" sz="1800">
+                <a:solidFill>
+                  <a:schemeClr val="dk1"/>
+                </a:solidFill>
+                <a:latin typeface="Calibri"/>
+                <a:ea typeface="Calibri"/>
+                <a:cs typeface="Calibri"/>
+                <a:sym typeface="Calibri"/>
+              </a:rPr>
+              <a:t>+509 36299266\ 43766153</a:t>
+            </a:r>
+            <a:endParaRPr/>
+          </a:p>
+        </p:txBody>
+      </p:sp>
+      <p:sp>
+        <p:nvSpPr>
+          <p:cNvPr id="191" name="Google Shape;191;p22"/>
+          <p:cNvSpPr txBox="1"/>
+          <p:nvPr/>
+        </p:nvSpPr>
+        <p:spPr>
+          <a:xfrm>
+            <a:off x="4495800" y="6019800"/>
+            <a:ext cx="4876800" cy="584775"/>
+          </a:xfrm>
+          <a:prstGeom prst="rect">
+            <a:avLst/>
+          </a:prstGeom>
+          <a:noFill/>
+          <a:ln>
+            <a:noFill/>
+          </a:ln>
+        </p:spPr>
+        <p:txBody>
+          <a:bodyPr anchorCtr="0" anchor="t" bIns="45700" lIns="91425" spcFirstLastPara="1" rIns="91425" wrap="square" tIns="45700">
+            <a:spAutoFit/>
+          </a:bodyPr>
+          <a:lstStyle/>
+          <a:p>
+            <a:pPr indent="0" lvl="0" marL="0" marR="0" rtl="0" algn="l">
+              <a:spcBef>
+                <a:spcPts val="0"/>
+              </a:spcBef>
+              <a:spcAft>
+                <a:spcPts val="0"/>
+              </a:spcAft>
+              <a:buNone/>
+            </a:pPr>
+            <a:r>
+              <a:rPr b="1" lang="en-US" sz="3200">
+                <a:solidFill>
+                  <a:schemeClr val="dk1"/>
+                </a:solidFill>
+                <a:latin typeface="Calibri"/>
+                <a:ea typeface="Calibri"/>
+                <a:cs typeface="Calibri"/>
+                <a:sym typeface="Calibri"/>
+              </a:rPr>
+              <a:t>Thank you!</a:t>
+            </a:r>
+            <a:endParaRPr/>
+          </a:p>
+        </p:txBody>
+      </p:sp>
     </p:spTree>
   </p:cSld>
   <p:clrMapOvr>
@@ -11796,7 +12253,7 @@
         <p:spPr>
           <a:xfrm>
             <a:off x="2753105" y="2285237"/>
-            <a:ext cx="6656070" cy="1560042"/>
+            <a:ext cx="6656100" cy="1629300"/>
           </a:xfrm>
           <a:prstGeom prst="rect">
             <a:avLst/>
@@ -11879,7 +12336,7 @@
                 <a:cs typeface="Times New Roman"/>
                 <a:sym typeface="Times New Roman"/>
               </a:rPr>
-              <a:t>Associations working with and for young people,  women</a:t>
+              <a:t>Associations working against violence against woman</a:t>
             </a:r>
             <a:endParaRPr/>
           </a:p>
@@ -12647,7 +13104,154 @@
       </p:grpSpPr>
       <p:sp>
         <p:nvSpPr>
-          <p:cNvPr id="107" name="Google Shape;107;p8"/>
+          <p:cNvPr id="107" name="Google Shape;107;gf2d44a8fd1_0_268"/>
+          <p:cNvSpPr/>
+          <p:nvPr/>
+        </p:nvSpPr>
+        <p:spPr>
+          <a:xfrm>
+            <a:off x="1454725" y="595750"/>
+            <a:ext cx="7162800" cy="1329900"/>
+          </a:xfrm>
+          <a:prstGeom prst="rect">
+            <a:avLst/>
+          </a:prstGeom>
+          <a:solidFill>
+            <a:schemeClr val="lt2"/>
+          </a:solidFill>
+          <a:ln cap="flat" cmpd="sng" w="9525">
+            <a:solidFill>
+              <a:schemeClr val="dk2"/>
+            </a:solidFill>
+            <a:prstDash val="solid"/>
+            <a:round/>
+            <a:headEnd len="sm" w="sm" type="none"/>
+            <a:tailEnd len="sm" w="sm" type="none"/>
+          </a:ln>
+        </p:spPr>
+        <p:txBody>
+          <a:bodyPr anchorCtr="0" anchor="ctr" bIns="91425" lIns="91425" spcFirstLastPara="1" rIns="91425" wrap="square" tIns="91425">
+            <a:noAutofit/>
+          </a:bodyPr>
+          <a:lstStyle/>
+          <a:p>
+            <a:pPr indent="0" lvl="0" marL="0" rtl="0" algn="ctr">
+              <a:spcBef>
+                <a:spcPts val="0"/>
+              </a:spcBef>
+              <a:spcAft>
+                <a:spcPts val="0"/>
+              </a:spcAft>
+              <a:buNone/>
+            </a:pPr>
+            <a:r>
+              <a:rPr lang="en-US" sz="3400"/>
+              <a:t>Question of research</a:t>
+            </a:r>
+            <a:endParaRPr sz="3400"/>
+          </a:p>
+        </p:txBody>
+      </p:sp>
+      <p:sp>
+        <p:nvSpPr>
+          <p:cNvPr id="108" name="Google Shape;108;gf2d44a8fd1_0_268"/>
+          <p:cNvSpPr/>
+          <p:nvPr/>
+        </p:nvSpPr>
+        <p:spPr>
+          <a:xfrm>
+            <a:off x="1981200" y="2632375"/>
+            <a:ext cx="7093500" cy="2091900"/>
+          </a:xfrm>
+          <a:prstGeom prst="rect">
+            <a:avLst/>
+          </a:prstGeom>
+          <a:solidFill>
+            <a:schemeClr val="lt2"/>
+          </a:solidFill>
+          <a:ln cap="flat" cmpd="sng" w="9525">
+            <a:solidFill>
+              <a:schemeClr val="dk2"/>
+            </a:solidFill>
+            <a:prstDash val="solid"/>
+            <a:round/>
+            <a:headEnd len="sm" w="sm" type="none"/>
+            <a:tailEnd len="sm" w="sm" type="none"/>
+          </a:ln>
+        </p:spPr>
+        <p:txBody>
+          <a:bodyPr anchorCtr="0" anchor="ctr" bIns="91425" lIns="91425" spcFirstLastPara="1" rIns="91425" wrap="square" tIns="91425">
+            <a:noAutofit/>
+          </a:bodyPr>
+          <a:lstStyle/>
+          <a:p>
+            <a:pPr indent="-355600" lvl="0" marL="457200" rtl="0" algn="l">
+              <a:spcBef>
+                <a:spcPts val="0"/>
+              </a:spcBef>
+              <a:spcAft>
+                <a:spcPts val="0"/>
+              </a:spcAft>
+              <a:buSzPts val="2000"/>
+              <a:buChar char="●"/>
+            </a:pPr>
+            <a:r>
+              <a:rPr lang="en-US" sz="2000"/>
+              <a:t>Why does a husband beat his wife</a:t>
+            </a:r>
+            <a:r>
+              <a:rPr lang="en-US" sz="2000"/>
+              <a:t>?</a:t>
+            </a:r>
+            <a:endParaRPr sz="2000"/>
+          </a:p>
+          <a:p>
+            <a:pPr indent="-355600" lvl="0" marL="457200" rtl="0" algn="l">
+              <a:spcBef>
+                <a:spcPts val="0"/>
+              </a:spcBef>
+              <a:spcAft>
+                <a:spcPts val="0"/>
+              </a:spcAft>
+              <a:buSzPts val="2000"/>
+              <a:buChar char="●"/>
+            </a:pPr>
+            <a:r>
+              <a:rPr lang="en-US" sz="2000"/>
+              <a:t>How to accompany women victims of violence?</a:t>
+            </a:r>
+            <a:endParaRPr sz="2000"/>
+          </a:p>
+        </p:txBody>
+      </p:sp>
+    </p:spTree>
+  </p:cSld>
+  <p:clrMapOvr>
+    <a:masterClrMapping/>
+  </p:clrMapOvr>
+</p:sld>
+</file>
+
+<file path=ppt/slides/slide9.xml><?xml version="1.0" encoding="utf-8"?>
+<p:sld xmlns:a="http://schemas.openxmlformats.org/drawingml/2006/main" xmlns:r="http://schemas.openxmlformats.org/officeDocument/2006/relationships" xmlns:mc="http://schemas.openxmlformats.org/markup-compatibility/2006" xmlns:mv="urn:schemas-microsoft-com:mac:vml" xmlns:p="http://schemas.openxmlformats.org/presentationml/2006/main" xmlns:c="http://schemas.openxmlformats.org/drawingml/2006/chart" xmlns:dgm="http://schemas.openxmlformats.org/drawingml/2006/diagram" xmlns:o="urn:schemas-microsoft-com:office:office" xmlns:v="urn:schemas-microsoft-com:vml" xmlns:pvml="urn:schemas-microsoft-com:office:powerpoint" xmlns:com="http://schemas.openxmlformats.org/drawingml/2006/compatibility" xmlns:p14="http://schemas.microsoft.com/office/powerpoint/2010/main" xmlns:p15="http://schemas.microsoft.com/office/powerpoint/2012/main" xmlns:ahyp="http://schemas.microsoft.com/office/drawing/2018/hyperlinkcolor">
+  <p:cSld>
+    <p:spTree>
+      <p:nvGrpSpPr>
+        <p:cNvPr id="112" name="Shape 112"/>
+        <p:cNvGrpSpPr/>
+        <p:nvPr/>
+      </p:nvGrpSpPr>
+      <p:grpSpPr>
+        <a:xfrm>
+          <a:off x="0" y="0"/>
+          <a:ext cx="0" cy="0"/>
+          <a:chOff x="0" y="0"/>
+          <a:chExt cx="0" cy="0"/>
+        </a:xfrm>
+      </p:grpSpPr>
+      <p:sp>
+        <p:nvSpPr>
+          <p:cNvPr id="113" name="Google Shape;113;p8"/>
           <p:cNvSpPr txBox="1"/>
           <p:nvPr/>
         </p:nvSpPr>
@@ -12697,7 +13301,7 @@
       </p:sp>
       <p:pic>
         <p:nvPicPr>
-          <p:cNvPr id="108" name="Google Shape;108;p8"/>
+          <p:cNvPr id="114" name="Google Shape;114;p8"/>
           <p:cNvPicPr preferRelativeResize="0"/>
           <p:nvPr/>
         </p:nvPicPr>
@@ -12724,7 +13328,7 @@
       </p:pic>
       <p:sp>
         <p:nvSpPr>
-          <p:cNvPr id="109" name="Google Shape;109;p8"/>
+          <p:cNvPr id="115" name="Google Shape;115;p8"/>
           <p:cNvSpPr txBox="1"/>
           <p:nvPr/>
         </p:nvSpPr>
@@ -12804,302 +13408,286 @@
 </p:sld>
 </file>
 
-<file path=ppt/slides/slide9.xml><?xml version="1.0" encoding="utf-8"?>
-<p:sld xmlns:a="http://schemas.openxmlformats.org/drawingml/2006/main" xmlns:r="http://schemas.openxmlformats.org/officeDocument/2006/relationships" xmlns:mc="http://schemas.openxmlformats.org/markup-compatibility/2006" xmlns:mv="urn:schemas-microsoft-com:mac:vml" xmlns:p="http://schemas.openxmlformats.org/presentationml/2006/main" xmlns:c="http://schemas.openxmlformats.org/drawingml/2006/chart" xmlns:dgm="http://schemas.openxmlformats.org/drawingml/2006/diagram" xmlns:o="urn:schemas-microsoft-com:office:office" xmlns:v="urn:schemas-microsoft-com:vml" xmlns:pvml="urn:schemas-microsoft-com:office:powerpoint" xmlns:com="http://schemas.openxmlformats.org/drawingml/2006/compatibility" xmlns:p14="http://schemas.microsoft.com/office/powerpoint/2010/main" xmlns:p15="http://schemas.microsoft.com/office/powerpoint/2012/main" xmlns:ahyp="http://schemas.microsoft.com/office/drawing/2018/hyperlinkcolor">
-  <p:cSld>
-    <p:spTree>
-      <p:nvGrpSpPr>
-        <p:cNvPr id="113" name="Shape 113"/>
-        <p:cNvGrpSpPr/>
-        <p:nvPr/>
-      </p:nvGrpSpPr>
-      <p:grpSpPr>
-        <a:xfrm>
-          <a:off x="0" y="0"/>
-          <a:ext cx="0" cy="0"/>
-          <a:chOff x="0" y="0"/>
-          <a:chExt cx="0" cy="0"/>
-        </a:xfrm>
-      </p:grpSpPr>
-      <p:pic>
-        <p:nvPicPr>
-          <p:cNvPr id="114" name="Google Shape;114;p9"/>
-          <p:cNvPicPr preferRelativeResize="0"/>
-          <p:nvPr/>
-        </p:nvPicPr>
-        <p:blipFill rotWithShape="1">
-          <a:blip r:embed="rId3">
-            <a:alphaModFix/>
-          </a:blip>
-          <a:srcRect b="0" l="0" r="0" t="0"/>
-          <a:stretch/>
-        </p:blipFill>
-        <p:spPr>
-          <a:xfrm>
-            <a:off x="304800" y="1219200"/>
-            <a:ext cx="7163971" cy="5181600"/>
-          </a:xfrm>
-          <a:prstGeom prst="rect">
-            <a:avLst/>
-          </a:prstGeom>
-          <a:noFill/>
-          <a:ln>
-            <a:noFill/>
-          </a:ln>
-        </p:spPr>
-      </p:pic>
-      <p:sp>
-        <p:nvSpPr>
-          <p:cNvPr id="115" name="Google Shape;115;p9"/>
-          <p:cNvSpPr txBox="1"/>
-          <p:nvPr/>
-        </p:nvSpPr>
-        <p:spPr>
-          <a:xfrm>
-            <a:off x="8153400" y="914400"/>
-            <a:ext cx="2819400" cy="4708981"/>
-          </a:xfrm>
-          <a:prstGeom prst="rect">
-            <a:avLst/>
-          </a:prstGeom>
-          <a:noFill/>
-          <a:ln>
-            <a:noFill/>
-          </a:ln>
-        </p:spPr>
-        <p:txBody>
-          <a:bodyPr anchorCtr="0" anchor="t" bIns="45700" lIns="91425" spcFirstLastPara="1" rIns="91425" wrap="square" tIns="45700">
-            <a:spAutoFit/>
-          </a:bodyPr>
-          <a:lstStyle/>
-          <a:p>
-            <a:pPr indent="0" lvl="0" marL="0" marR="0" rtl="0" algn="l">
-              <a:spcBef>
-                <a:spcPts val="0"/>
-              </a:spcBef>
-              <a:spcAft>
-                <a:spcPts val="0"/>
-              </a:spcAft>
-              <a:buNone/>
-            </a:pPr>
-            <a:r>
-              <a:rPr lang="en-US" sz="2000">
-                <a:solidFill>
-                  <a:schemeClr val="dk1"/>
-                </a:solidFill>
-                <a:latin typeface="Calibri"/>
-                <a:ea typeface="Calibri"/>
-                <a:cs typeface="Calibri"/>
-                <a:sym typeface="Calibri"/>
-              </a:rPr>
-              <a:t>Taking into account the first 3 regions, that women who are from:</a:t>
-            </a:r>
-            <a:endParaRPr/>
-          </a:p>
-          <a:p>
-            <a:pPr indent="0" lvl="0" marL="0" marR="0" rtl="0" algn="l">
-              <a:spcBef>
-                <a:spcPts val="0"/>
-              </a:spcBef>
-              <a:spcAft>
-                <a:spcPts val="0"/>
-              </a:spcAft>
-              <a:buNone/>
-            </a:pPr>
-            <a:r>
-              <a:rPr lang="en-US" sz="2000">
-                <a:solidFill>
-                  <a:schemeClr val="dk1"/>
-                </a:solidFill>
-                <a:latin typeface="Calibri"/>
-                <a:ea typeface="Calibri"/>
-                <a:cs typeface="Calibri"/>
-                <a:sym typeface="Calibri"/>
-              </a:rPr>
-              <a:t>West:</a:t>
-            </a:r>
-            <a:endParaRPr/>
-          </a:p>
-          <a:p>
-            <a:pPr indent="0" lvl="0" marL="0" marR="0" rtl="0" algn="l">
-              <a:spcBef>
-                <a:spcPts val="0"/>
-              </a:spcBef>
-              <a:spcAft>
-                <a:spcPts val="0"/>
-              </a:spcAft>
-              <a:buNone/>
-            </a:pPr>
-            <a:r>
-              <a:rPr lang="en-US" sz="2000">
-                <a:solidFill>
-                  <a:schemeClr val="dk1"/>
-                </a:solidFill>
-                <a:latin typeface="Calibri"/>
-                <a:ea typeface="Calibri"/>
-                <a:cs typeface="Calibri"/>
-                <a:sym typeface="Calibri"/>
-              </a:rPr>
-              <a:t>North: </a:t>
-            </a:r>
-            <a:endParaRPr/>
-          </a:p>
-          <a:p>
-            <a:pPr indent="0" lvl="0" marL="0" marR="0" rtl="0" algn="l">
-              <a:spcBef>
-                <a:spcPts val="0"/>
-              </a:spcBef>
-              <a:spcAft>
-                <a:spcPts val="0"/>
-              </a:spcAft>
-              <a:buNone/>
-            </a:pPr>
-            <a:r>
-              <a:rPr lang="en-US" sz="2000">
-                <a:solidFill>
-                  <a:schemeClr val="dk1"/>
-                </a:solidFill>
-                <a:latin typeface="Calibri"/>
-                <a:ea typeface="Calibri"/>
-                <a:cs typeface="Calibri"/>
-                <a:sym typeface="Calibri"/>
-              </a:rPr>
-              <a:t>Artibonite:</a:t>
-            </a:r>
-            <a:endParaRPr/>
-          </a:p>
-          <a:p>
-            <a:pPr indent="0" lvl="0" marL="0" marR="0" rtl="0" algn="l">
-              <a:spcBef>
-                <a:spcPts val="0"/>
-              </a:spcBef>
-              <a:spcAft>
-                <a:spcPts val="0"/>
-              </a:spcAft>
-              <a:buNone/>
-            </a:pPr>
-            <a:r>
-              <a:rPr lang="en-US" sz="2000">
-                <a:solidFill>
-                  <a:schemeClr val="dk1"/>
-                </a:solidFill>
-                <a:latin typeface="Calibri"/>
-                <a:ea typeface="Calibri"/>
-                <a:cs typeface="Calibri"/>
-                <a:sym typeface="Calibri"/>
-              </a:rPr>
-              <a:t> are much more victims of domestic violence.</a:t>
-            </a:r>
-            <a:endParaRPr/>
-          </a:p>
-          <a:p>
-            <a:pPr indent="0" lvl="0" marL="0" marR="0" rtl="0" algn="l">
-              <a:spcBef>
-                <a:spcPts val="0"/>
-              </a:spcBef>
-              <a:spcAft>
-                <a:spcPts val="0"/>
-              </a:spcAft>
-              <a:buNone/>
-            </a:pPr>
-            <a:r>
-              <a:rPr lang="en-US" sz="2000">
-                <a:solidFill>
-                  <a:schemeClr val="dk1"/>
-                </a:solidFill>
-                <a:latin typeface="Calibri"/>
-                <a:ea typeface="Calibri"/>
-                <a:cs typeface="Calibri"/>
-                <a:sym typeface="Calibri"/>
-              </a:rPr>
-              <a:t>We can therefore say that women from Artibonite, West and North are twice as much victims as the other regions.</a:t>
-            </a:r>
-            <a:endParaRPr/>
-          </a:p>
-          <a:p>
-            <a:pPr indent="0" lvl="0" marL="0" marR="0" rtl="0" algn="l">
-              <a:spcBef>
-                <a:spcPts val="0"/>
-              </a:spcBef>
-              <a:spcAft>
-                <a:spcPts val="0"/>
-              </a:spcAft>
-              <a:buNone/>
-            </a:pPr>
-            <a:r>
-              <a:t/>
-            </a:r>
-            <a:endParaRPr sz="2000">
-              <a:solidFill>
-                <a:schemeClr val="dk1"/>
-              </a:solidFill>
-              <a:latin typeface="Calibri"/>
-              <a:ea typeface="Calibri"/>
-              <a:cs typeface="Calibri"/>
-              <a:sym typeface="Calibri"/>
-            </a:endParaRPr>
-          </a:p>
-        </p:txBody>
-      </p:sp>
-      <p:sp>
-        <p:nvSpPr>
-          <p:cNvPr id="116" name="Google Shape;116;p9"/>
-          <p:cNvSpPr txBox="1"/>
-          <p:nvPr/>
-        </p:nvSpPr>
-        <p:spPr>
-          <a:xfrm>
-            <a:off x="3048000" y="381000"/>
-            <a:ext cx="3733800" cy="584775"/>
-          </a:xfrm>
-          <a:prstGeom prst="rect">
-            <a:avLst/>
-          </a:prstGeom>
-          <a:noFill/>
-          <a:ln>
-            <a:noFill/>
-          </a:ln>
-        </p:spPr>
-        <p:txBody>
-          <a:bodyPr anchorCtr="0" anchor="t" bIns="45700" lIns="91425" spcFirstLastPara="1" rIns="91425" wrap="square" tIns="45700">
-            <a:spAutoFit/>
-          </a:bodyPr>
-          <a:lstStyle/>
-          <a:p>
-            <a:pPr indent="0" lvl="0" marL="0" marR="0" rtl="0" algn="ctr">
-              <a:spcBef>
-                <a:spcPts val="0"/>
-              </a:spcBef>
-              <a:spcAft>
-                <a:spcPts val="0"/>
-              </a:spcAft>
-              <a:buNone/>
-            </a:pPr>
-            <a:r>
-              <a:rPr lang="en-US" sz="3200">
-                <a:solidFill>
-                  <a:schemeClr val="dk1"/>
-                </a:solidFill>
-                <a:latin typeface="Calibri"/>
-                <a:ea typeface="Calibri"/>
-                <a:cs typeface="Calibri"/>
-                <a:sym typeface="Calibri"/>
-              </a:rPr>
-              <a:t>Region  Distribution</a:t>
-            </a:r>
-            <a:endParaRPr/>
-          </a:p>
-        </p:txBody>
-      </p:sp>
-    </p:spTree>
-  </p:cSld>
-  <p:clrMapOvr>
-    <a:masterClrMapping/>
-  </p:clrMapOvr>
-</p:sld>
+<file path=ppt/theme/theme1.xml><?xml version="1.0" encoding="utf-8"?>
+<a:theme xmlns:a="http://schemas.openxmlformats.org/drawingml/2006/main" xmlns:r="http://schemas.openxmlformats.org/officeDocument/2006/relationships">
+  <a:themeElements>
+    <a:clrScheme name="Default">
+      <a:dk1>
+        <a:srgbClr val="000000"/>
+      </a:dk1>
+      <a:lt1>
+        <a:srgbClr val="FFFFFF"/>
+      </a:lt1>
+      <a:dk2>
+        <a:srgbClr val="158158"/>
+      </a:dk2>
+      <a:lt2>
+        <a:srgbClr val="F3F3F3"/>
+      </a:lt2>
+      <a:accent1>
+        <a:srgbClr val="058DC7"/>
+      </a:accent1>
+      <a:accent2>
+        <a:srgbClr val="50B432"/>
+      </a:accent2>
+      <a:accent3>
+        <a:srgbClr val="ED561B"/>
+      </a:accent3>
+      <a:accent4>
+        <a:srgbClr val="EDEF00"/>
+      </a:accent4>
+      <a:accent5>
+        <a:srgbClr val="24CBE5"/>
+      </a:accent5>
+      <a:accent6>
+        <a:srgbClr val="64E572"/>
+      </a:accent6>
+      <a:hlink>
+        <a:srgbClr val="2200CC"/>
+      </a:hlink>
+      <a:folHlink>
+        <a:srgbClr val="551A8B"/>
+      </a:folHlink>
+    </a:clrScheme>
+    <a:fontScheme name="Office">
+      <a:majorFont>
+        <a:latin typeface="Arial"/>
+        <a:ea typeface=""/>
+        <a:cs typeface=""/>
+        <a:font script="Jpan" typeface="ＭＳ Ｐゴシック"/>
+        <a:font script="Hang" typeface="맑은 고딕"/>
+        <a:font script="Hans" typeface="宋体"/>
+        <a:font script="Hant" typeface="新細明體"/>
+        <a:font script="Arab" typeface="Times New Roman"/>
+        <a:font script="Hebr" typeface="Times New Roman"/>
+        <a:font script="Thai" typeface="Angsana New"/>
+        <a:font script="Ethi" typeface="Nyala"/>
+        <a:font script="Beng" typeface="Vrinda"/>
+        <a:font script="Gujr" typeface="Shruti"/>
+        <a:font script="Khmr" typeface="MoolBoran"/>
+        <a:font script="Knda" typeface="Tunga"/>
+        <a:font script="Guru" typeface="Raavi"/>
+        <a:font script="Cans" typeface="Euphemia"/>
+        <a:font script="Cher" typeface="Plantagenet Cherokee"/>
+        <a:font script="Yiii" typeface="Microsoft Yi Baiti"/>
+        <a:font script="Tibt" typeface="Microsoft Himalaya"/>
+        <a:font script="Thaa" typeface="MV Boli"/>
+        <a:font script="Deva" typeface="Mangal"/>
+        <a:font script="Telu" typeface="Gautami"/>
+        <a:font script="Taml" typeface="Latha"/>
+        <a:font script="Syrc" typeface="Estrangelo Edessa"/>
+        <a:font script="Orya" typeface="Kalinga"/>
+        <a:font script="Mlym" typeface="Kartika"/>
+        <a:font script="Laoo" typeface="DokChampa"/>
+        <a:font script="Sinh" typeface="Iskoola Pota"/>
+        <a:font script="Mong" typeface="Mongolian Baiti"/>
+        <a:font script="Viet" typeface="Times New Roman"/>
+        <a:font script="Uigh" typeface="Microsoft Uighur"/>
+        <a:font script="Geor" typeface="Sylfaen"/>
+      </a:majorFont>
+      <a:minorFont>
+        <a:latin typeface="Arial"/>
+        <a:ea typeface=""/>
+        <a:cs typeface=""/>
+        <a:font script="Jpan" typeface="ＭＳ Ｐゴシック"/>
+        <a:font script="Hang" typeface="맑은 고딕"/>
+        <a:font script="Hans" typeface="宋体"/>
+        <a:font script="Hant" typeface="新細明體"/>
+        <a:font script="Arab" typeface="Arial"/>
+        <a:font script="Hebr" typeface="Arial"/>
+        <a:font script="Thai" typeface="Cordia New"/>
+        <a:font script="Ethi" typeface="Nyala"/>
+        <a:font script="Beng" typeface="Vrinda"/>
+        <a:font script="Gujr" typeface="Shruti"/>
+        <a:font script="Khmr" typeface="DaunPenh"/>
+        <a:font script="Knda" typeface="Tunga"/>
+        <a:font script="Guru" typeface="Raavi"/>
+        <a:font script="Cans" typeface="Euphemia"/>
+        <a:font script="Cher" typeface="Plantagenet Cherokee"/>
+        <a:font script="Yiii" typeface="Microsoft Yi Baiti"/>
+        <a:font script="Tibt" typeface="Microsoft Himalaya"/>
+        <a:font script="Thaa" typeface="MV Boli"/>
+        <a:font script="Deva" typeface="Mangal"/>
+        <a:font script="Telu" typeface="Gautami"/>
+        <a:font script="Taml" typeface="Latha"/>
+        <a:font script="Syrc" typeface="Estrangelo Edessa"/>
+        <a:font script="Orya" typeface="Kalinga"/>
+        <a:font script="Mlym" typeface="Kartika"/>
+        <a:font script="Laoo" typeface="DokChampa"/>
+        <a:font script="Sinh" typeface="Iskoola Pota"/>
+        <a:font script="Mong" typeface="Mongolian Baiti"/>
+        <a:font script="Viet" typeface="Arial"/>
+        <a:font script="Uigh" typeface="Microsoft Uighur"/>
+        <a:font script="Geor" typeface="Sylfaen"/>
+      </a:minorFont>
+    </a:fontScheme>
+    <a:fmtScheme name="Office">
+      <a:fillStyleLst>
+        <a:solidFill>
+          <a:schemeClr val="phClr"/>
+        </a:solidFill>
+        <a:gradFill rotWithShape="1">
+          <a:gsLst>
+            <a:gs pos="0">
+              <a:schemeClr val="phClr">
+                <a:tint val="50000"/>
+                <a:satMod val="300000"/>
+              </a:schemeClr>
+            </a:gs>
+            <a:gs pos="35000">
+              <a:schemeClr val="phClr">
+                <a:tint val="37000"/>
+                <a:satMod val="300000"/>
+              </a:schemeClr>
+            </a:gs>
+            <a:gs pos="100000">
+              <a:schemeClr val="phClr">
+                <a:tint val="15000"/>
+                <a:satMod val="350000"/>
+              </a:schemeClr>
+            </a:gs>
+          </a:gsLst>
+          <a:lin ang="16200000" scaled="1"/>
+        </a:gradFill>
+        <a:gradFill rotWithShape="1">
+          <a:gsLst>
+            <a:gs pos="0">
+              <a:schemeClr val="phClr">
+                <a:tint val="100000"/>
+                <a:shade val="100000"/>
+                <a:satMod val="130000"/>
+              </a:schemeClr>
+            </a:gs>
+            <a:gs pos="100000">
+              <a:schemeClr val="phClr">
+                <a:tint val="50000"/>
+                <a:shade val="100000"/>
+                <a:satMod val="350000"/>
+              </a:schemeClr>
+            </a:gs>
+          </a:gsLst>
+          <a:lin ang="16200000" scaled="0"/>
+        </a:gradFill>
+      </a:fillStyleLst>
+      <a:lnStyleLst>
+        <a:ln w="9525" cap="flat" cmpd="sng" algn="ctr">
+          <a:solidFill>
+            <a:schemeClr val="phClr">
+              <a:shade val="95000"/>
+              <a:satMod val="105000"/>
+            </a:schemeClr>
+          </a:solidFill>
+          <a:prstDash val="solid"/>
+        </a:ln>
+        <a:ln w="25400" cap="flat" cmpd="sng" algn="ctr">
+          <a:solidFill>
+            <a:schemeClr val="phClr"/>
+          </a:solidFill>
+          <a:prstDash val="solid"/>
+        </a:ln>
+        <a:ln w="38100" cap="flat" cmpd="sng" algn="ctr">
+          <a:solidFill>
+            <a:schemeClr val="phClr"/>
+          </a:solidFill>
+          <a:prstDash val="solid"/>
+        </a:ln>
+      </a:lnStyleLst>
+      <a:effectStyleLst>
+        <a:effectStyle>
+          <a:effectLst>
+            <a:outerShdw blurRad="40000" dist="20000" dir="5400000" rotWithShape="0">
+              <a:srgbClr val="000000">
+                <a:alpha val="38000"/>
+              </a:srgbClr>
+            </a:outerShdw>
+          </a:effectLst>
+        </a:effectStyle>
+        <a:effectStyle>
+          <a:effectLst>
+            <a:outerShdw blurRad="40000" dist="23000" dir="5400000" rotWithShape="0">
+              <a:srgbClr val="000000">
+                <a:alpha val="35000"/>
+              </a:srgbClr>
+            </a:outerShdw>
+          </a:effectLst>
+        </a:effectStyle>
+        <a:effectStyle>
+          <a:effectLst>
+            <a:outerShdw blurRad="40000" dist="23000" dir="5400000" rotWithShape="0">
+              <a:srgbClr val="000000">
+                <a:alpha val="35000"/>
+              </a:srgbClr>
+            </a:outerShdw>
+          </a:effectLst>
+          <a:scene3d>
+            <a:camera prst="orthographicFront">
+              <a:rot lat="0" lon="0" rev="0"/>
+            </a:camera>
+            <a:lightRig rig="threePt" dir="t">
+              <a:rot lat="0" lon="0" rev="1200000"/>
+            </a:lightRig>
+          </a:scene3d>
+          <a:sp3d>
+            <a:bevelT w="63500" h="25400"/>
+          </a:sp3d>
+        </a:effectStyle>
+      </a:effectStyleLst>
+      <a:bgFillStyleLst>
+        <a:solidFill>
+          <a:schemeClr val="phClr"/>
+        </a:solidFill>
+        <a:gradFill rotWithShape="1">
+          <a:gsLst>
+            <a:gs pos="0">
+              <a:schemeClr val="phClr">
+                <a:tint val="40000"/>
+                <a:satMod val="350000"/>
+              </a:schemeClr>
+            </a:gs>
+            <a:gs pos="40000">
+              <a:schemeClr val="phClr">
+                <a:tint val="45000"/>
+                <a:shade val="99000"/>
+                <a:satMod val="350000"/>
+              </a:schemeClr>
+            </a:gs>
+            <a:gs pos="100000">
+              <a:schemeClr val="phClr">
+                <a:shade val="20000"/>
+                <a:satMod val="255000"/>
+              </a:schemeClr>
+            </a:gs>
+          </a:gsLst>
+          <a:path path="circle">
+            <a:fillToRect l="50000" t="-80000" r="50000" b="180000"/>
+          </a:path>
+        </a:gradFill>
+        <a:gradFill rotWithShape="1">
+          <a:gsLst>
+            <a:gs pos="0">
+              <a:schemeClr val="phClr">
+                <a:tint val="80000"/>
+                <a:satMod val="300000"/>
+              </a:schemeClr>
+            </a:gs>
+            <a:gs pos="100000">
+              <a:schemeClr val="phClr">
+                <a:shade val="30000"/>
+                <a:satMod val="200000"/>
+              </a:schemeClr>
+            </a:gs>
+          </a:gsLst>
+          <a:path path="circle">
+            <a:fillToRect l="50000" t="50000" r="50000" b="50000"/>
+          </a:path>
+        </a:gradFill>
+      </a:bgFillStyleLst>
+    </a:fmtScheme>
+  </a:themeElements>
+</a:theme>
 </file>
 
-<file path=ppt/theme/theme1.xml><?xml version="1.0" encoding="utf-8"?>
+<file path=ppt/theme/theme2.xml><?xml version="1.0" encoding="utf-8"?>
 <a:theme xmlns:a="http://schemas.openxmlformats.org/drawingml/2006/main" xmlns:r="http://schemas.openxmlformats.org/officeDocument/2006/relationships" name="Office Theme">
   <a:themeElements>
     <a:clrScheme name="Office">
@@ -13376,283 +13964,4 @@
     </a:fmtScheme>
   </a:themeElements>
 </a:theme>
-</file>
-
-<file path=ppt/theme/theme2.xml><?xml version="1.0" encoding="utf-8"?>
-<a:theme xmlns:a="http://schemas.openxmlformats.org/drawingml/2006/main" xmlns:r="http://schemas.openxmlformats.org/officeDocument/2006/relationships">
-  <a:themeElements>
-    <a:clrScheme name="Default">
-      <a:dk1>
-        <a:srgbClr val="000000"/>
-      </a:dk1>
-      <a:lt1>
-        <a:srgbClr val="FFFFFF"/>
-      </a:lt1>
-      <a:dk2>
-        <a:srgbClr val="158158"/>
-      </a:dk2>
-      <a:lt2>
-        <a:srgbClr val="F3F3F3"/>
-      </a:lt2>
-      <a:accent1>
-        <a:srgbClr val="058DC7"/>
-      </a:accent1>
-      <a:accent2>
-        <a:srgbClr val="50B432"/>
-      </a:accent2>
-      <a:accent3>
-        <a:srgbClr val="ED561B"/>
-      </a:accent3>
-      <a:accent4>
-        <a:srgbClr val="EDEF00"/>
-      </a:accent4>
-      <a:accent5>
-        <a:srgbClr val="24CBE5"/>
-      </a:accent5>
-      <a:accent6>
-        <a:srgbClr val="64E572"/>
-      </a:accent6>
-      <a:hlink>
-        <a:srgbClr val="2200CC"/>
-      </a:hlink>
-      <a:folHlink>
-        <a:srgbClr val="551A8B"/>
-      </a:folHlink>
-    </a:clrScheme>
-    <a:fontScheme name="Office">
-      <a:majorFont>
-        <a:latin typeface="Arial"/>
-        <a:ea typeface=""/>
-        <a:cs typeface=""/>
-        <a:font script="Jpan" typeface="ＭＳ Ｐゴシック"/>
-        <a:font script="Hang" typeface="맑은 고딕"/>
-        <a:font script="Hans" typeface="宋体"/>
-        <a:font script="Hant" typeface="新細明體"/>
-        <a:font script="Arab" typeface="Times New Roman"/>
-        <a:font script="Hebr" typeface="Times New Roman"/>
-        <a:font script="Thai" typeface="Angsana New"/>
-        <a:font script="Ethi" typeface="Nyala"/>
-        <a:font script="Beng" typeface="Vrinda"/>
-        <a:font script="Gujr" typeface="Shruti"/>
-        <a:font script="Khmr" typeface="MoolBoran"/>
-        <a:font script="Knda" typeface="Tunga"/>
-        <a:font script="Guru" typeface="Raavi"/>
-        <a:font script="Cans" typeface="Euphemia"/>
-        <a:font script="Cher" typeface="Plantagenet Cherokee"/>
-        <a:font script="Yiii" typeface="Microsoft Yi Baiti"/>
-        <a:font script="Tibt" typeface="Microsoft Himalaya"/>
-        <a:font script="Thaa" typeface="MV Boli"/>
-        <a:font script="Deva" typeface="Mangal"/>
-        <a:font script="Telu" typeface="Gautami"/>
-        <a:font script="Taml" typeface="Latha"/>
-        <a:font script="Syrc" typeface="Estrangelo Edessa"/>
-        <a:font script="Orya" typeface="Kalinga"/>
-        <a:font script="Mlym" typeface="Kartika"/>
-        <a:font script="Laoo" typeface="DokChampa"/>
-        <a:font script="Sinh" typeface="Iskoola Pota"/>
-        <a:font script="Mong" typeface="Mongolian Baiti"/>
-        <a:font script="Viet" typeface="Times New Roman"/>
-        <a:font script="Uigh" typeface="Microsoft Uighur"/>
-        <a:font script="Geor" typeface="Sylfaen"/>
-      </a:majorFont>
-      <a:minorFont>
-        <a:latin typeface="Arial"/>
-        <a:ea typeface=""/>
-        <a:cs typeface=""/>
-        <a:font script="Jpan" typeface="ＭＳ Ｐゴシック"/>
-        <a:font script="Hang" typeface="맑은 고딕"/>
-        <a:font script="Hans" typeface="宋体"/>
-        <a:font script="Hant" typeface="新細明體"/>
-        <a:font script="Arab" typeface="Arial"/>
-        <a:font script="Hebr" typeface="Arial"/>
-        <a:font script="Thai" typeface="Cordia New"/>
-        <a:font script="Ethi" typeface="Nyala"/>
-        <a:font script="Beng" typeface="Vrinda"/>
-        <a:font script="Gujr" typeface="Shruti"/>
-        <a:font script="Khmr" typeface="DaunPenh"/>
-        <a:font script="Knda" typeface="Tunga"/>
-        <a:font script="Guru" typeface="Raavi"/>
-        <a:font script="Cans" typeface="Euphemia"/>
-        <a:font script="Cher" typeface="Plantagenet Cherokee"/>
-        <a:font script="Yiii" typeface="Microsoft Yi Baiti"/>
-        <a:font script="Tibt" typeface="Microsoft Himalaya"/>
-        <a:font script="Thaa" typeface="MV Boli"/>
-        <a:font script="Deva" typeface="Mangal"/>
-        <a:font script="Telu" typeface="Gautami"/>
-        <a:font script="Taml" typeface="Latha"/>
-        <a:font script="Syrc" typeface="Estrangelo Edessa"/>
-        <a:font script="Orya" typeface="Kalinga"/>
-        <a:font script="Mlym" typeface="Kartika"/>
-        <a:font script="Laoo" typeface="DokChampa"/>
-        <a:font script="Sinh" typeface="Iskoola Pota"/>
-        <a:font script="Mong" typeface="Mongolian Baiti"/>
-        <a:font script="Viet" typeface="Arial"/>
-        <a:font script="Uigh" typeface="Microsoft Uighur"/>
-        <a:font script="Geor" typeface="Sylfaen"/>
-      </a:minorFont>
-    </a:fontScheme>
-    <a:fmtScheme name="Office">
-      <a:fillStyleLst>
-        <a:solidFill>
-          <a:schemeClr val="phClr"/>
-        </a:solidFill>
-        <a:gradFill rotWithShape="1">
-          <a:gsLst>
-            <a:gs pos="0">
-              <a:schemeClr val="phClr">
-                <a:tint val="50000"/>
-                <a:satMod val="300000"/>
-              </a:schemeClr>
-            </a:gs>
-            <a:gs pos="35000">
-              <a:schemeClr val="phClr">
-                <a:tint val="37000"/>
-                <a:satMod val="300000"/>
-              </a:schemeClr>
-            </a:gs>
-            <a:gs pos="100000">
-              <a:schemeClr val="phClr">
-                <a:tint val="15000"/>
-                <a:satMod val="350000"/>
-              </a:schemeClr>
-            </a:gs>
-          </a:gsLst>
-          <a:lin ang="16200000" scaled="1"/>
-        </a:gradFill>
-        <a:gradFill rotWithShape="1">
-          <a:gsLst>
-            <a:gs pos="0">
-              <a:schemeClr val="phClr">
-                <a:tint val="100000"/>
-                <a:shade val="100000"/>
-                <a:satMod val="130000"/>
-              </a:schemeClr>
-            </a:gs>
-            <a:gs pos="100000">
-              <a:schemeClr val="phClr">
-                <a:tint val="50000"/>
-                <a:shade val="100000"/>
-                <a:satMod val="350000"/>
-              </a:schemeClr>
-            </a:gs>
-          </a:gsLst>
-          <a:lin ang="16200000" scaled="0"/>
-        </a:gradFill>
-      </a:fillStyleLst>
-      <a:lnStyleLst>
-        <a:ln w="9525" cap="flat" cmpd="sng" algn="ctr">
-          <a:solidFill>
-            <a:schemeClr val="phClr">
-              <a:shade val="95000"/>
-              <a:satMod val="105000"/>
-            </a:schemeClr>
-          </a:solidFill>
-          <a:prstDash val="solid"/>
-        </a:ln>
-        <a:ln w="25400" cap="flat" cmpd="sng" algn="ctr">
-          <a:solidFill>
-            <a:schemeClr val="phClr"/>
-          </a:solidFill>
-          <a:prstDash val="solid"/>
-        </a:ln>
-        <a:ln w="38100" cap="flat" cmpd="sng" algn="ctr">
-          <a:solidFill>
-            <a:schemeClr val="phClr"/>
-          </a:solidFill>
-          <a:prstDash val="solid"/>
-        </a:ln>
-      </a:lnStyleLst>
-      <a:effectStyleLst>
-        <a:effectStyle>
-          <a:effectLst>
-            <a:outerShdw blurRad="40000" dist="20000" dir="5400000" rotWithShape="0">
-              <a:srgbClr val="000000">
-                <a:alpha val="38000"/>
-              </a:srgbClr>
-            </a:outerShdw>
-          </a:effectLst>
-        </a:effectStyle>
-        <a:effectStyle>
-          <a:effectLst>
-            <a:outerShdw blurRad="40000" dist="23000" dir="5400000" rotWithShape="0">
-              <a:srgbClr val="000000">
-                <a:alpha val="35000"/>
-              </a:srgbClr>
-            </a:outerShdw>
-          </a:effectLst>
-        </a:effectStyle>
-        <a:effectStyle>
-          <a:effectLst>
-            <a:outerShdw blurRad="40000" dist="23000" dir="5400000" rotWithShape="0">
-              <a:srgbClr val="000000">
-                <a:alpha val="35000"/>
-              </a:srgbClr>
-            </a:outerShdw>
-          </a:effectLst>
-          <a:scene3d>
-            <a:camera prst="orthographicFront">
-              <a:rot lat="0" lon="0" rev="0"/>
-            </a:camera>
-            <a:lightRig rig="threePt" dir="t">
-              <a:rot lat="0" lon="0" rev="1200000"/>
-            </a:lightRig>
-          </a:scene3d>
-          <a:sp3d>
-            <a:bevelT w="63500" h="25400"/>
-          </a:sp3d>
-        </a:effectStyle>
-      </a:effectStyleLst>
-      <a:bgFillStyleLst>
-        <a:solidFill>
-          <a:schemeClr val="phClr"/>
-        </a:solidFill>
-        <a:gradFill rotWithShape="1">
-          <a:gsLst>
-            <a:gs pos="0">
-              <a:schemeClr val="phClr">
-                <a:tint val="40000"/>
-                <a:satMod val="350000"/>
-              </a:schemeClr>
-            </a:gs>
-            <a:gs pos="40000">
-              <a:schemeClr val="phClr">
-                <a:tint val="45000"/>
-                <a:shade val="99000"/>
-                <a:satMod val="350000"/>
-              </a:schemeClr>
-            </a:gs>
-            <a:gs pos="100000">
-              <a:schemeClr val="phClr">
-                <a:shade val="20000"/>
-                <a:satMod val="255000"/>
-              </a:schemeClr>
-            </a:gs>
-          </a:gsLst>
-          <a:path path="circle">
-            <a:fillToRect l="50000" t="-80000" r="50000" b="180000"/>
-          </a:path>
-        </a:gradFill>
-        <a:gradFill rotWithShape="1">
-          <a:gsLst>
-            <a:gs pos="0">
-              <a:schemeClr val="phClr">
-                <a:tint val="80000"/>
-                <a:satMod val="300000"/>
-              </a:schemeClr>
-            </a:gs>
-            <a:gs pos="100000">
-              <a:schemeClr val="phClr">
-                <a:shade val="30000"/>
-                <a:satMod val="200000"/>
-              </a:schemeClr>
-            </a:gs>
-          </a:gsLst>
-          <a:path path="circle">
-            <a:fillToRect l="50000" t="50000" r="50000" b="50000"/>
-          </a:path>
-        </a:gradFill>
-      </a:bgFillStyleLst>
-    </a:fmtScheme>
-  </a:themeElements>
-</a:theme>
 </file>